--- a/화면 로직 설계/로직.pptx
+++ b/화면 로직 설계/로직.pptx
@@ -4,9 +4,14 @@
   <p:sldMasterIdLst>
     <p:sldMasterId id="2147483648" r:id="rId1"/>
   </p:sldMasterIdLst>
+  <p:notesMasterIdLst>
+    <p:notesMasterId r:id="rId6"/>
+  </p:notesMasterIdLst>
   <p:sldIdLst>
     <p:sldId id="256" r:id="rId2"/>
-    <p:sldId id="257" r:id="rId3"/>
+    <p:sldId id="259" r:id="rId3"/>
+    <p:sldId id="257" r:id="rId4"/>
+    <p:sldId id="261" r:id="rId5"/>
   </p:sldIdLst>
   <p:sldSz cx="12192000" cy="6858000"/>
   <p:notesSz cx="6858000" cy="9144000"/>
@@ -105,7 +110,445 @@
       </a:defRPr>
     </a:lvl9pPr>
   </p:defaultTextStyle>
+  <p:extLst>
+    <p:ext uri="{EFAFB233-063F-42B5-8137-9DF3F51BA10A}">
+      <p15:sldGuideLst xmlns:p15="http://schemas.microsoft.com/office/powerpoint/2012/main"/>
+    </p:ext>
+  </p:extLst>
 </p:presentation>
+</file>
+
+<file path=ppt/notesMasters/notesMaster1.xml><?xml version="1.0" encoding="utf-8"?>
+<p:notesMaster xmlns:a="http://schemas.openxmlformats.org/drawingml/2006/main" xmlns:r="http://schemas.openxmlformats.org/officeDocument/2006/relationships" xmlns:p="http://schemas.openxmlformats.org/presentationml/2006/main">
+  <p:cSld>
+    <p:bg>
+      <p:bgRef idx="1001">
+        <a:schemeClr val="bg1"/>
+      </p:bgRef>
+    </p:bg>
+    <p:spTree>
+      <p:nvGrpSpPr>
+        <p:cNvPr id="1" name=""/>
+        <p:cNvGrpSpPr/>
+        <p:nvPr/>
+      </p:nvGrpSpPr>
+      <p:grpSpPr>
+        <a:xfrm>
+          <a:off x="0" y="0"/>
+          <a:ext cx="0" cy="0"/>
+          <a:chOff x="0" y="0"/>
+          <a:chExt cx="0" cy="0"/>
+        </a:xfrm>
+      </p:grpSpPr>
+      <p:sp>
+        <p:nvSpPr>
+          <p:cNvPr id="2" name="머리글 개체 틀 1"/>
+          <p:cNvSpPr>
+            <a:spLocks noGrp="1"/>
+          </p:cNvSpPr>
+          <p:nvPr>
+            <p:ph type="hdr" sz="quarter"/>
+          </p:nvPr>
+        </p:nvSpPr>
+        <p:spPr>
+          <a:xfrm>
+            <a:off x="0" y="0"/>
+            <a:ext cx="2971800" cy="458788"/>
+          </a:xfrm>
+          <a:prstGeom prst="rect">
+            <a:avLst/>
+          </a:prstGeom>
+        </p:spPr>
+        <p:txBody>
+          <a:bodyPr vert="horz" lIns="91440" tIns="45720" rIns="91440" bIns="45720" rtlCol="0"/>
+          <a:lstStyle>
+            <a:lvl1pPr algn="l">
+              <a:defRPr sz="1200"/>
+            </a:lvl1pPr>
+          </a:lstStyle>
+          <a:p>
+            <a:endParaRPr lang="ko-KR" altLang="en-US"/>
+          </a:p>
+        </p:txBody>
+      </p:sp>
+      <p:sp>
+        <p:nvSpPr>
+          <p:cNvPr id="3" name="날짜 개체 틀 2"/>
+          <p:cNvSpPr>
+            <a:spLocks noGrp="1"/>
+          </p:cNvSpPr>
+          <p:nvPr>
+            <p:ph type="dt" idx="1"/>
+          </p:nvPr>
+        </p:nvSpPr>
+        <p:spPr>
+          <a:xfrm>
+            <a:off x="3884613" y="0"/>
+            <a:ext cx="2971800" cy="458788"/>
+          </a:xfrm>
+          <a:prstGeom prst="rect">
+            <a:avLst/>
+          </a:prstGeom>
+        </p:spPr>
+        <p:txBody>
+          <a:bodyPr vert="horz" lIns="91440" tIns="45720" rIns="91440" bIns="45720" rtlCol="0"/>
+          <a:lstStyle>
+            <a:lvl1pPr algn="r">
+              <a:defRPr sz="1200"/>
+            </a:lvl1pPr>
+          </a:lstStyle>
+          <a:p>
+            <a:fld id="{E9ED216D-D3E7-4FA2-A0D5-178E781EB236}" type="datetimeFigureOut">
+              <a:rPr lang="ko-KR" altLang="en-US" smtClean="0"/>
+              <a:t>2024-12-21</a:t>
+            </a:fld>
+            <a:endParaRPr lang="ko-KR" altLang="en-US"/>
+          </a:p>
+        </p:txBody>
+      </p:sp>
+      <p:sp>
+        <p:nvSpPr>
+          <p:cNvPr id="4" name="슬라이드 이미지 개체 틀 3"/>
+          <p:cNvSpPr>
+            <a:spLocks noGrp="1" noRot="1" noChangeAspect="1"/>
+          </p:cNvSpPr>
+          <p:nvPr>
+            <p:ph type="sldImg" idx="2"/>
+          </p:nvPr>
+        </p:nvSpPr>
+        <p:spPr>
+          <a:xfrm>
+            <a:off x="685800" y="1143000"/>
+            <a:ext cx="5486400" cy="3086100"/>
+          </a:xfrm>
+          <a:prstGeom prst="rect">
+            <a:avLst/>
+          </a:prstGeom>
+          <a:noFill/>
+          <a:ln w="12700">
+            <a:solidFill>
+              <a:prstClr val="black"/>
+            </a:solidFill>
+          </a:ln>
+        </p:spPr>
+        <p:txBody>
+          <a:bodyPr vert="horz" lIns="91440" tIns="45720" rIns="91440" bIns="45720" rtlCol="0" anchor="ctr"/>
+          <a:lstStyle/>
+          <a:p>
+            <a:endParaRPr lang="ko-KR" altLang="en-US"/>
+          </a:p>
+        </p:txBody>
+      </p:sp>
+      <p:sp>
+        <p:nvSpPr>
+          <p:cNvPr id="5" name="슬라이드 노트 개체 틀 4"/>
+          <p:cNvSpPr>
+            <a:spLocks noGrp="1"/>
+          </p:cNvSpPr>
+          <p:nvPr>
+            <p:ph type="body" sz="quarter" idx="3"/>
+          </p:nvPr>
+        </p:nvSpPr>
+        <p:spPr>
+          <a:xfrm>
+            <a:off x="685800" y="4400550"/>
+            <a:ext cx="5486400" cy="3600450"/>
+          </a:xfrm>
+          <a:prstGeom prst="rect">
+            <a:avLst/>
+          </a:prstGeom>
+        </p:spPr>
+        <p:txBody>
+          <a:bodyPr vert="horz" lIns="91440" tIns="45720" rIns="91440" bIns="45720" rtlCol="0"/>
+          <a:lstStyle/>
+          <a:p>
+            <a:pPr lvl="0"/>
+            <a:r>
+              <a:rPr lang="ko-KR" altLang="en-US"/>
+              <a:t>마스터 텍스트 스타일을 편집하려면 클릭</a:t>
+            </a:r>
+          </a:p>
+          <a:p>
+            <a:pPr lvl="1"/>
+            <a:r>
+              <a:rPr lang="ko-KR" altLang="en-US"/>
+              <a:t>두 번째 수준</a:t>
+            </a:r>
+          </a:p>
+          <a:p>
+            <a:pPr lvl="2"/>
+            <a:r>
+              <a:rPr lang="ko-KR" altLang="en-US"/>
+              <a:t>세 번째 수준</a:t>
+            </a:r>
+          </a:p>
+          <a:p>
+            <a:pPr lvl="3"/>
+            <a:r>
+              <a:rPr lang="ko-KR" altLang="en-US"/>
+              <a:t>네 번째 수준</a:t>
+            </a:r>
+          </a:p>
+          <a:p>
+            <a:pPr lvl="4"/>
+            <a:r>
+              <a:rPr lang="ko-KR" altLang="en-US"/>
+              <a:t>다섯 번째 수준</a:t>
+            </a:r>
+          </a:p>
+        </p:txBody>
+      </p:sp>
+      <p:sp>
+        <p:nvSpPr>
+          <p:cNvPr id="6" name="바닥글 개체 틀 5"/>
+          <p:cNvSpPr>
+            <a:spLocks noGrp="1"/>
+          </p:cNvSpPr>
+          <p:nvPr>
+            <p:ph type="ftr" sz="quarter" idx="4"/>
+          </p:nvPr>
+        </p:nvSpPr>
+        <p:spPr>
+          <a:xfrm>
+            <a:off x="0" y="8685213"/>
+            <a:ext cx="2971800" cy="458787"/>
+          </a:xfrm>
+          <a:prstGeom prst="rect">
+            <a:avLst/>
+          </a:prstGeom>
+        </p:spPr>
+        <p:txBody>
+          <a:bodyPr vert="horz" lIns="91440" tIns="45720" rIns="91440" bIns="45720" rtlCol="0" anchor="b"/>
+          <a:lstStyle>
+            <a:lvl1pPr algn="l">
+              <a:defRPr sz="1200"/>
+            </a:lvl1pPr>
+          </a:lstStyle>
+          <a:p>
+            <a:endParaRPr lang="ko-KR" altLang="en-US"/>
+          </a:p>
+        </p:txBody>
+      </p:sp>
+      <p:sp>
+        <p:nvSpPr>
+          <p:cNvPr id="7" name="슬라이드 번호 개체 틀 6"/>
+          <p:cNvSpPr>
+            <a:spLocks noGrp="1"/>
+          </p:cNvSpPr>
+          <p:nvPr>
+            <p:ph type="sldNum" sz="quarter" idx="5"/>
+          </p:nvPr>
+        </p:nvSpPr>
+        <p:spPr>
+          <a:xfrm>
+            <a:off x="3884613" y="8685213"/>
+            <a:ext cx="2971800" cy="458787"/>
+          </a:xfrm>
+          <a:prstGeom prst="rect">
+            <a:avLst/>
+          </a:prstGeom>
+        </p:spPr>
+        <p:txBody>
+          <a:bodyPr vert="horz" lIns="91440" tIns="45720" rIns="91440" bIns="45720" rtlCol="0" anchor="b"/>
+          <a:lstStyle>
+            <a:lvl1pPr algn="r">
+              <a:defRPr sz="1200"/>
+            </a:lvl1pPr>
+          </a:lstStyle>
+          <a:p>
+            <a:fld id="{E38C117B-44A0-45DE-91D1-3375A93ED660}" type="slidenum">
+              <a:rPr lang="ko-KR" altLang="en-US" smtClean="0"/>
+              <a:t>‹#›</a:t>
+            </a:fld>
+            <a:endParaRPr lang="ko-KR" altLang="en-US"/>
+          </a:p>
+        </p:txBody>
+      </p:sp>
+    </p:spTree>
+    <p:extLst>
+      <p:ext uri="{BB962C8B-B14F-4D97-AF65-F5344CB8AC3E}">
+        <p14:creationId xmlns:p14="http://schemas.microsoft.com/office/powerpoint/2010/main" val="3125124655"/>
+      </p:ext>
+    </p:extLst>
+  </p:cSld>
+  <p:clrMap bg1="lt1" tx1="dk1" bg2="lt2" tx2="dk2" accent1="accent1" accent2="accent2" accent3="accent3" accent4="accent4" accent5="accent5" accent6="accent6" hlink="hlink" folHlink="folHlink"/>
+  <p:notesStyle>
+    <a:lvl1pPr marL="0" algn="l" defTabSz="914400" rtl="0" eaLnBrk="1" latinLnBrk="1" hangingPunct="1">
+      <a:defRPr sz="1200" kern="1200">
+        <a:solidFill>
+          <a:schemeClr val="tx1"/>
+        </a:solidFill>
+        <a:latin typeface="+mn-lt"/>
+        <a:ea typeface="+mn-ea"/>
+        <a:cs typeface="+mn-cs"/>
+      </a:defRPr>
+    </a:lvl1pPr>
+    <a:lvl2pPr marL="457200" algn="l" defTabSz="914400" rtl="0" eaLnBrk="1" latinLnBrk="1" hangingPunct="1">
+      <a:defRPr sz="1200" kern="1200">
+        <a:solidFill>
+          <a:schemeClr val="tx1"/>
+        </a:solidFill>
+        <a:latin typeface="+mn-lt"/>
+        <a:ea typeface="+mn-ea"/>
+        <a:cs typeface="+mn-cs"/>
+      </a:defRPr>
+    </a:lvl2pPr>
+    <a:lvl3pPr marL="914400" algn="l" defTabSz="914400" rtl="0" eaLnBrk="1" latinLnBrk="1" hangingPunct="1">
+      <a:defRPr sz="1200" kern="1200">
+        <a:solidFill>
+          <a:schemeClr val="tx1"/>
+        </a:solidFill>
+        <a:latin typeface="+mn-lt"/>
+        <a:ea typeface="+mn-ea"/>
+        <a:cs typeface="+mn-cs"/>
+      </a:defRPr>
+    </a:lvl3pPr>
+    <a:lvl4pPr marL="1371600" algn="l" defTabSz="914400" rtl="0" eaLnBrk="1" latinLnBrk="1" hangingPunct="1">
+      <a:defRPr sz="1200" kern="1200">
+        <a:solidFill>
+          <a:schemeClr val="tx1"/>
+        </a:solidFill>
+        <a:latin typeface="+mn-lt"/>
+        <a:ea typeface="+mn-ea"/>
+        <a:cs typeface="+mn-cs"/>
+      </a:defRPr>
+    </a:lvl4pPr>
+    <a:lvl5pPr marL="1828800" algn="l" defTabSz="914400" rtl="0" eaLnBrk="1" latinLnBrk="1" hangingPunct="1">
+      <a:defRPr sz="1200" kern="1200">
+        <a:solidFill>
+          <a:schemeClr val="tx1"/>
+        </a:solidFill>
+        <a:latin typeface="+mn-lt"/>
+        <a:ea typeface="+mn-ea"/>
+        <a:cs typeface="+mn-cs"/>
+      </a:defRPr>
+    </a:lvl5pPr>
+    <a:lvl6pPr marL="2286000" algn="l" defTabSz="914400" rtl="0" eaLnBrk="1" latinLnBrk="1" hangingPunct="1">
+      <a:defRPr sz="1200" kern="1200">
+        <a:solidFill>
+          <a:schemeClr val="tx1"/>
+        </a:solidFill>
+        <a:latin typeface="+mn-lt"/>
+        <a:ea typeface="+mn-ea"/>
+        <a:cs typeface="+mn-cs"/>
+      </a:defRPr>
+    </a:lvl6pPr>
+    <a:lvl7pPr marL="2743200" algn="l" defTabSz="914400" rtl="0" eaLnBrk="1" latinLnBrk="1" hangingPunct="1">
+      <a:defRPr sz="1200" kern="1200">
+        <a:solidFill>
+          <a:schemeClr val="tx1"/>
+        </a:solidFill>
+        <a:latin typeface="+mn-lt"/>
+        <a:ea typeface="+mn-ea"/>
+        <a:cs typeface="+mn-cs"/>
+      </a:defRPr>
+    </a:lvl7pPr>
+    <a:lvl8pPr marL="3200400" algn="l" defTabSz="914400" rtl="0" eaLnBrk="1" latinLnBrk="1" hangingPunct="1">
+      <a:defRPr sz="1200" kern="1200">
+        <a:solidFill>
+          <a:schemeClr val="tx1"/>
+        </a:solidFill>
+        <a:latin typeface="+mn-lt"/>
+        <a:ea typeface="+mn-ea"/>
+        <a:cs typeface="+mn-cs"/>
+      </a:defRPr>
+    </a:lvl8pPr>
+    <a:lvl9pPr marL="3657600" algn="l" defTabSz="914400" rtl="0" eaLnBrk="1" latinLnBrk="1" hangingPunct="1">
+      <a:defRPr sz="1200" kern="1200">
+        <a:solidFill>
+          <a:schemeClr val="tx1"/>
+        </a:solidFill>
+        <a:latin typeface="+mn-lt"/>
+        <a:ea typeface="+mn-ea"/>
+        <a:cs typeface="+mn-cs"/>
+      </a:defRPr>
+    </a:lvl9pPr>
+  </p:notesStyle>
+</p:notesMaster>
+</file>
+
+<file path=ppt/notesSlides/notesSlide1.xml><?xml version="1.0" encoding="utf-8"?>
+<p:notes xmlns:a="http://schemas.openxmlformats.org/drawingml/2006/main" xmlns:r="http://schemas.openxmlformats.org/officeDocument/2006/relationships" xmlns:p="http://schemas.openxmlformats.org/presentationml/2006/main">
+  <p:cSld>
+    <p:spTree>
+      <p:nvGrpSpPr>
+        <p:cNvPr id="1" name=""/>
+        <p:cNvGrpSpPr/>
+        <p:nvPr/>
+      </p:nvGrpSpPr>
+      <p:grpSpPr>
+        <a:xfrm>
+          <a:off x="0" y="0"/>
+          <a:ext cx="0" cy="0"/>
+          <a:chOff x="0" y="0"/>
+          <a:chExt cx="0" cy="0"/>
+        </a:xfrm>
+      </p:grpSpPr>
+      <p:sp>
+        <p:nvSpPr>
+          <p:cNvPr id="2" name="슬라이드 이미지 개체 틀 1"/>
+          <p:cNvSpPr>
+            <a:spLocks noGrp="1" noRot="1" noChangeAspect="1"/>
+          </p:cNvSpPr>
+          <p:nvPr>
+            <p:ph type="sldImg"/>
+          </p:nvPr>
+        </p:nvSpPr>
+        <p:spPr/>
+      </p:sp>
+      <p:sp>
+        <p:nvSpPr>
+          <p:cNvPr id="3" name="슬라이드 노트 개체 틀 2"/>
+          <p:cNvSpPr>
+            <a:spLocks noGrp="1"/>
+          </p:cNvSpPr>
+          <p:nvPr>
+            <p:ph type="body" idx="1"/>
+          </p:nvPr>
+        </p:nvSpPr>
+        <p:spPr/>
+        <p:txBody>
+          <a:bodyPr/>
+          <a:lstStyle/>
+          <a:p>
+            <a:endParaRPr lang="ko-KR" altLang="en-US" dirty="0"/>
+          </a:p>
+        </p:txBody>
+      </p:sp>
+      <p:sp>
+        <p:nvSpPr>
+          <p:cNvPr id="4" name="슬라이드 번호 개체 틀 3"/>
+          <p:cNvSpPr>
+            <a:spLocks noGrp="1"/>
+          </p:cNvSpPr>
+          <p:nvPr>
+            <p:ph type="sldNum" sz="quarter" idx="5"/>
+          </p:nvPr>
+        </p:nvSpPr>
+        <p:spPr/>
+        <p:txBody>
+          <a:bodyPr/>
+          <a:lstStyle/>
+          <a:p>
+            <a:fld id="{E38C117B-44A0-45DE-91D1-3375A93ED660}" type="slidenum">
+              <a:rPr lang="ko-KR" altLang="en-US" smtClean="0"/>
+              <a:t>2</a:t>
+            </a:fld>
+            <a:endParaRPr lang="ko-KR" altLang="en-US"/>
+          </a:p>
+        </p:txBody>
+      </p:sp>
+    </p:spTree>
+    <p:extLst>
+      <p:ext uri="{BB962C8B-B14F-4D97-AF65-F5344CB8AC3E}">
+        <p14:creationId xmlns:p14="http://schemas.microsoft.com/office/powerpoint/2010/main" val="1198468029"/>
+      </p:ext>
+    </p:extLst>
+  </p:cSld>
+  <p:clrMapOvr>
+    <a:masterClrMapping/>
+  </p:clrMapOvr>
+</p:notes>
 </file>
 
 <file path=ppt/slideLayouts/slideLayout1.xml><?xml version="1.0" encoding="utf-8"?>
@@ -255,7 +698,7 @@
           <a:p>
             <a:fld id="{F9B26ABB-E9AB-B340-ADED-FB09A8D4DCF1}" type="datetimeFigureOut">
               <a:rPr kumimoji="1" lang="ko-KR" altLang="en-US" smtClean="0"/>
-              <a:t>2024. 12. 20.</a:t>
+              <a:t>2024-12-21</a:t>
             </a:fld>
             <a:endParaRPr kumimoji="1" lang="ko-KR" altLang="en-US"/>
           </a:p>
@@ -453,7 +896,7 @@
           <a:p>
             <a:fld id="{F9B26ABB-E9AB-B340-ADED-FB09A8D4DCF1}" type="datetimeFigureOut">
               <a:rPr kumimoji="1" lang="ko-KR" altLang="en-US" smtClean="0"/>
-              <a:t>2024. 12. 20.</a:t>
+              <a:t>2024-12-21</a:t>
             </a:fld>
             <a:endParaRPr kumimoji="1" lang="ko-KR" altLang="en-US"/>
           </a:p>
@@ -661,7 +1104,7 @@
           <a:p>
             <a:fld id="{F9B26ABB-E9AB-B340-ADED-FB09A8D4DCF1}" type="datetimeFigureOut">
               <a:rPr kumimoji="1" lang="ko-KR" altLang="en-US" smtClean="0"/>
-              <a:t>2024. 12. 20.</a:t>
+              <a:t>2024-12-21</a:t>
             </a:fld>
             <a:endParaRPr kumimoji="1" lang="ko-KR" altLang="en-US"/>
           </a:p>
@@ -859,7 +1302,7 @@
           <a:p>
             <a:fld id="{F9B26ABB-E9AB-B340-ADED-FB09A8D4DCF1}" type="datetimeFigureOut">
               <a:rPr kumimoji="1" lang="ko-KR" altLang="en-US" smtClean="0"/>
-              <a:t>2024. 12. 20.</a:t>
+              <a:t>2024-12-21</a:t>
             </a:fld>
             <a:endParaRPr kumimoji="1" lang="ko-KR" altLang="en-US"/>
           </a:p>
@@ -1134,7 +1577,7 @@
           <a:p>
             <a:fld id="{F9B26ABB-E9AB-B340-ADED-FB09A8D4DCF1}" type="datetimeFigureOut">
               <a:rPr kumimoji="1" lang="ko-KR" altLang="en-US" smtClean="0"/>
-              <a:t>2024. 12. 20.</a:t>
+              <a:t>2024-12-21</a:t>
             </a:fld>
             <a:endParaRPr kumimoji="1" lang="ko-KR" altLang="en-US"/>
           </a:p>
@@ -1399,7 +1842,7 @@
           <a:p>
             <a:fld id="{F9B26ABB-E9AB-B340-ADED-FB09A8D4DCF1}" type="datetimeFigureOut">
               <a:rPr kumimoji="1" lang="ko-KR" altLang="en-US" smtClean="0"/>
-              <a:t>2024. 12. 20.</a:t>
+              <a:t>2024-12-21</a:t>
             </a:fld>
             <a:endParaRPr kumimoji="1" lang="ko-KR" altLang="en-US"/>
           </a:p>
@@ -1811,7 +2254,7 @@
           <a:p>
             <a:fld id="{F9B26ABB-E9AB-B340-ADED-FB09A8D4DCF1}" type="datetimeFigureOut">
               <a:rPr kumimoji="1" lang="ko-KR" altLang="en-US" smtClean="0"/>
-              <a:t>2024. 12. 20.</a:t>
+              <a:t>2024-12-21</a:t>
             </a:fld>
             <a:endParaRPr kumimoji="1" lang="ko-KR" altLang="en-US"/>
           </a:p>
@@ -1952,7 +2395,7 @@
           <a:p>
             <a:fld id="{F9B26ABB-E9AB-B340-ADED-FB09A8D4DCF1}" type="datetimeFigureOut">
               <a:rPr kumimoji="1" lang="ko-KR" altLang="en-US" smtClean="0"/>
-              <a:t>2024. 12. 20.</a:t>
+              <a:t>2024-12-21</a:t>
             </a:fld>
             <a:endParaRPr kumimoji="1" lang="ko-KR" altLang="en-US"/>
           </a:p>
@@ -2065,7 +2508,7 @@
           <a:p>
             <a:fld id="{F9B26ABB-E9AB-B340-ADED-FB09A8D4DCF1}" type="datetimeFigureOut">
               <a:rPr kumimoji="1" lang="ko-KR" altLang="en-US" smtClean="0"/>
-              <a:t>2024. 12. 20.</a:t>
+              <a:t>2024-12-21</a:t>
             </a:fld>
             <a:endParaRPr kumimoji="1" lang="ko-KR" altLang="en-US"/>
           </a:p>
@@ -2376,7 +2819,7 @@
           <a:p>
             <a:fld id="{F9B26ABB-E9AB-B340-ADED-FB09A8D4DCF1}" type="datetimeFigureOut">
               <a:rPr kumimoji="1" lang="ko-KR" altLang="en-US" smtClean="0"/>
-              <a:t>2024. 12. 20.</a:t>
+              <a:t>2024-12-21</a:t>
             </a:fld>
             <a:endParaRPr kumimoji="1" lang="ko-KR" altLang="en-US"/>
           </a:p>
@@ -2664,7 +3107,7 @@
           <a:p>
             <a:fld id="{F9B26ABB-E9AB-B340-ADED-FB09A8D4DCF1}" type="datetimeFigureOut">
               <a:rPr kumimoji="1" lang="ko-KR" altLang="en-US" smtClean="0"/>
-              <a:t>2024. 12. 20.</a:t>
+              <a:t>2024-12-21</a:t>
             </a:fld>
             <a:endParaRPr kumimoji="1" lang="ko-KR" altLang="en-US"/>
           </a:p>
@@ -2905,7 +3348,7 @@
           <a:p>
             <a:fld id="{F9B26ABB-E9AB-B340-ADED-FB09A8D4DCF1}" type="datetimeFigureOut">
               <a:rPr kumimoji="1" lang="ko-KR" altLang="en-US" smtClean="0"/>
-              <a:t>2024. 12. 20.</a:t>
+              <a:t>2024-12-21</a:t>
             </a:fld>
             <a:endParaRPr kumimoji="1" lang="ko-KR" altLang="en-US"/>
           </a:p>
@@ -4863,6 +5306,2144 @@
         <p:grpSpPr>
           <a:xfrm>
             <a:off x="1055332" y="1319054"/>
+            <a:ext cx="5453208" cy="1180908"/>
+            <a:chOff x="2251086" y="1617993"/>
+            <a:chExt cx="5453208" cy="1180908"/>
+          </a:xfrm>
+        </p:grpSpPr>
+        <p:sp>
+          <p:nvSpPr>
+            <p:cNvPr id="4" name="직사각형 3">
+              <a:extLst>
+                <a:ext uri="{FF2B5EF4-FFF2-40B4-BE49-F238E27FC236}">
+                  <a16:creationId xmlns:a16="http://schemas.microsoft.com/office/drawing/2014/main" id="{DEDE2F57-9D36-0E6A-BCA9-C799A3DFE3EF}"/>
+                </a:ext>
+              </a:extLst>
+            </p:cNvPr>
+            <p:cNvSpPr/>
+            <p:nvPr/>
+          </p:nvSpPr>
+          <p:spPr>
+            <a:xfrm>
+              <a:off x="2251086" y="1617993"/>
+              <a:ext cx="1364566" cy="562706"/>
+            </a:xfrm>
+            <a:prstGeom prst="rect">
+              <a:avLst/>
+            </a:prstGeom>
+            <a:noFill/>
+          </p:spPr>
+          <p:style>
+            <a:lnRef idx="2">
+              <a:schemeClr val="accent1">
+                <a:shade val="15000"/>
+              </a:schemeClr>
+            </a:lnRef>
+            <a:fillRef idx="1">
+              <a:schemeClr val="accent1"/>
+            </a:fillRef>
+            <a:effectRef idx="0">
+              <a:schemeClr val="accent1"/>
+            </a:effectRef>
+            <a:fontRef idx="minor">
+              <a:schemeClr val="lt1"/>
+            </a:fontRef>
+          </p:style>
+          <p:txBody>
+            <a:bodyPr rtlCol="0" anchor="ctr"/>
+            <a:lstStyle/>
+            <a:p>
+              <a:pPr algn="ctr"/>
+              <a:r>
+                <a:rPr kumimoji="1" lang="ko-KR" altLang="en-US" sz="1200" dirty="0">
+                  <a:solidFill>
+                    <a:schemeClr val="tx1"/>
+                  </a:solidFill>
+                </a:rPr>
+                <a:t>메인 화면</a:t>
+              </a:r>
+            </a:p>
+          </p:txBody>
+        </p:sp>
+        <p:sp>
+          <p:nvSpPr>
+            <p:cNvPr id="6" name="직사각형 5">
+              <a:extLst>
+                <a:ext uri="{FF2B5EF4-FFF2-40B4-BE49-F238E27FC236}">
+                  <a16:creationId xmlns:a16="http://schemas.microsoft.com/office/drawing/2014/main" id="{0AC9D8D7-996C-C9C9-9437-5EC54E257FAD}"/>
+                </a:ext>
+              </a:extLst>
+            </p:cNvPr>
+            <p:cNvSpPr/>
+            <p:nvPr/>
+          </p:nvSpPr>
+          <p:spPr>
+            <a:xfrm>
+              <a:off x="4253387" y="1617993"/>
+              <a:ext cx="1364566" cy="562706"/>
+            </a:xfrm>
+            <a:prstGeom prst="rect">
+              <a:avLst/>
+            </a:prstGeom>
+            <a:noFill/>
+          </p:spPr>
+          <p:style>
+            <a:lnRef idx="2">
+              <a:schemeClr val="accent1">
+                <a:shade val="15000"/>
+              </a:schemeClr>
+            </a:lnRef>
+            <a:fillRef idx="1">
+              <a:schemeClr val="accent1"/>
+            </a:fillRef>
+            <a:effectRef idx="0">
+              <a:schemeClr val="accent1"/>
+            </a:effectRef>
+            <a:fontRef idx="minor">
+              <a:schemeClr val="lt1"/>
+            </a:fontRef>
+          </p:style>
+          <p:txBody>
+            <a:bodyPr rtlCol="0" anchor="ctr"/>
+            <a:lstStyle/>
+            <a:p>
+              <a:pPr algn="ctr"/>
+              <a:r>
+                <a:rPr kumimoji="1" lang="ko-KR" altLang="en-US" sz="1200" dirty="0">
+                  <a:solidFill>
+                    <a:schemeClr val="tx1"/>
+                  </a:solidFill>
+                </a:rPr>
+                <a:t>내 명함 표시</a:t>
+              </a:r>
+            </a:p>
+          </p:txBody>
+        </p:sp>
+        <p:cxnSp>
+          <p:nvCxnSpPr>
+            <p:cNvPr id="15" name="직선 화살표 연결선 14">
+              <a:extLst>
+                <a:ext uri="{FF2B5EF4-FFF2-40B4-BE49-F238E27FC236}">
+                  <a16:creationId xmlns:a16="http://schemas.microsoft.com/office/drawing/2014/main" id="{73219A3B-85E5-970E-703C-58647CE29682}"/>
+                </a:ext>
+              </a:extLst>
+            </p:cNvPr>
+            <p:cNvCxnSpPr>
+              <a:stCxn id="4" idx="3"/>
+              <a:endCxn id="6" idx="1"/>
+            </p:cNvCxnSpPr>
+            <p:nvPr/>
+          </p:nvCxnSpPr>
+          <p:spPr>
+            <a:xfrm>
+              <a:off x="3615652" y="1899346"/>
+              <a:ext cx="637735" cy="0"/>
+            </a:xfrm>
+            <a:prstGeom prst="straightConnector1">
+              <a:avLst/>
+            </a:prstGeom>
+            <a:ln>
+              <a:tailEnd type="triangle"/>
+            </a:ln>
+          </p:spPr>
+          <p:style>
+            <a:lnRef idx="2">
+              <a:schemeClr val="accent1"/>
+            </a:lnRef>
+            <a:fillRef idx="0">
+              <a:schemeClr val="accent1"/>
+            </a:fillRef>
+            <a:effectRef idx="1">
+              <a:schemeClr val="accent1"/>
+            </a:effectRef>
+            <a:fontRef idx="minor">
+              <a:schemeClr val="tx1"/>
+            </a:fontRef>
+          </p:style>
+        </p:cxnSp>
+        <p:sp>
+          <p:nvSpPr>
+            <p:cNvPr id="2" name="직사각형 1">
+              <a:extLst>
+                <a:ext uri="{FF2B5EF4-FFF2-40B4-BE49-F238E27FC236}">
+                  <a16:creationId xmlns:a16="http://schemas.microsoft.com/office/drawing/2014/main" id="{C61BD2C9-541B-5CD0-D70E-78AB5E95206B}"/>
+                </a:ext>
+              </a:extLst>
+            </p:cNvPr>
+            <p:cNvSpPr/>
+            <p:nvPr/>
+          </p:nvSpPr>
+          <p:spPr>
+            <a:xfrm>
+              <a:off x="6255688" y="1617993"/>
+              <a:ext cx="1364566" cy="562706"/>
+            </a:xfrm>
+            <a:prstGeom prst="rect">
+              <a:avLst/>
+            </a:prstGeom>
+            <a:noFill/>
+          </p:spPr>
+          <p:style>
+            <a:lnRef idx="2">
+              <a:schemeClr val="accent1">
+                <a:shade val="15000"/>
+              </a:schemeClr>
+            </a:lnRef>
+            <a:fillRef idx="1">
+              <a:schemeClr val="accent1"/>
+            </a:fillRef>
+            <a:effectRef idx="0">
+              <a:schemeClr val="accent1"/>
+            </a:effectRef>
+            <a:fontRef idx="minor">
+              <a:schemeClr val="lt1"/>
+            </a:fontRef>
+          </p:style>
+          <p:txBody>
+            <a:bodyPr rtlCol="0" anchor="ctr"/>
+            <a:lstStyle/>
+            <a:p>
+              <a:pPr algn="ctr"/>
+              <a:r>
+                <a:rPr kumimoji="1" lang="ko-KR" altLang="en-US" sz="1200" dirty="0">
+                  <a:solidFill>
+                    <a:schemeClr val="tx1"/>
+                  </a:solidFill>
+                </a:rPr>
+                <a:t>수정 클릭</a:t>
+              </a:r>
+            </a:p>
+          </p:txBody>
+        </p:sp>
+        <p:cxnSp>
+          <p:nvCxnSpPr>
+            <p:cNvPr id="3" name="직선 화살표 연결선 2">
+              <a:extLst>
+                <a:ext uri="{FF2B5EF4-FFF2-40B4-BE49-F238E27FC236}">
+                  <a16:creationId xmlns:a16="http://schemas.microsoft.com/office/drawing/2014/main" id="{E75D580A-4EE6-9226-D810-D0C7F28FE52A}"/>
+                </a:ext>
+              </a:extLst>
+            </p:cNvPr>
+            <p:cNvCxnSpPr>
+              <a:cxnSpLocks/>
+              <a:stCxn id="6" idx="3"/>
+              <a:endCxn id="2" idx="1"/>
+            </p:cNvCxnSpPr>
+            <p:nvPr/>
+          </p:nvCxnSpPr>
+          <p:spPr>
+            <a:xfrm>
+              <a:off x="5617953" y="1899346"/>
+              <a:ext cx="637735" cy="0"/>
+            </a:xfrm>
+            <a:prstGeom prst="straightConnector1">
+              <a:avLst/>
+            </a:prstGeom>
+            <a:ln>
+              <a:tailEnd type="triangle"/>
+            </a:ln>
+          </p:spPr>
+          <p:style>
+            <a:lnRef idx="2">
+              <a:schemeClr val="accent1"/>
+            </a:lnRef>
+            <a:fillRef idx="0">
+              <a:schemeClr val="accent1"/>
+            </a:fillRef>
+            <a:effectRef idx="1">
+              <a:schemeClr val="accent1"/>
+            </a:effectRef>
+            <a:fontRef idx="minor">
+              <a:schemeClr val="tx1"/>
+            </a:fontRef>
+          </p:style>
+        </p:cxnSp>
+        <p:sp>
+          <p:nvSpPr>
+            <p:cNvPr id="20" name="TextBox 19">
+              <a:extLst>
+                <a:ext uri="{FF2B5EF4-FFF2-40B4-BE49-F238E27FC236}">
+                  <a16:creationId xmlns:a16="http://schemas.microsoft.com/office/drawing/2014/main" id="{8233EFC8-0A2B-D8D3-2582-1CD7334C401F}"/>
+                </a:ext>
+              </a:extLst>
+            </p:cNvPr>
+            <p:cNvSpPr txBox="1"/>
+            <p:nvPr/>
+          </p:nvSpPr>
+          <p:spPr>
+            <a:xfrm>
+              <a:off x="4253387" y="2334824"/>
+              <a:ext cx="1364566" cy="400110"/>
+            </a:xfrm>
+            <a:prstGeom prst="rect">
+              <a:avLst/>
+            </a:prstGeom>
+            <a:noFill/>
+          </p:spPr>
+          <p:txBody>
+            <a:bodyPr wrap="square" rtlCol="0">
+              <a:spAutoFit/>
+            </a:bodyPr>
+            <a:lstStyle/>
+            <a:p>
+              <a:r>
+                <a:rPr kumimoji="1" lang="ko-KR" altLang="en-US" sz="1000" dirty="0"/>
+                <a:t>노출 목록</a:t>
+              </a:r>
+              <a:endParaRPr kumimoji="1" lang="en-US" altLang="ko-KR" sz="1000" dirty="0"/>
+            </a:p>
+            <a:p>
+              <a:pPr marL="171450" indent="-171450">
+                <a:buFontTx/>
+                <a:buChar char="-"/>
+              </a:pPr>
+              <a:r>
+                <a:rPr kumimoji="1" lang="ko-KR" altLang="en-US" sz="1000" dirty="0"/>
+                <a:t>설정 이미지</a:t>
+              </a:r>
+              <a:endParaRPr kumimoji="1" lang="en-US" altLang="ko-KR" sz="1000" dirty="0"/>
+            </a:p>
+          </p:txBody>
+        </p:sp>
+        <p:sp>
+          <p:nvSpPr>
+            <p:cNvPr id="23" name="TextBox 22">
+              <a:extLst>
+                <a:ext uri="{FF2B5EF4-FFF2-40B4-BE49-F238E27FC236}">
+                  <a16:creationId xmlns:a16="http://schemas.microsoft.com/office/drawing/2014/main" id="{9A060634-B2E0-F39A-19E4-5C681E97D68C}"/>
+                </a:ext>
+              </a:extLst>
+            </p:cNvPr>
+            <p:cNvSpPr txBox="1"/>
+            <p:nvPr/>
+          </p:nvSpPr>
+          <p:spPr>
+            <a:xfrm>
+              <a:off x="6202067" y="2244903"/>
+              <a:ext cx="1502227" cy="553998"/>
+            </a:xfrm>
+            <a:prstGeom prst="rect">
+              <a:avLst/>
+            </a:prstGeom>
+            <a:noFill/>
+          </p:spPr>
+          <p:txBody>
+            <a:bodyPr wrap="square" rtlCol="0">
+              <a:spAutoFit/>
+            </a:bodyPr>
+            <a:lstStyle/>
+            <a:p>
+              <a:r>
+                <a:rPr kumimoji="1" lang="ko-KR" altLang="en-US" sz="1000" dirty="0"/>
+                <a:t>수정사항</a:t>
+              </a:r>
+              <a:endParaRPr kumimoji="1" lang="en-US" altLang="ko-KR" sz="1000" dirty="0"/>
+            </a:p>
+            <a:p>
+              <a:pPr marL="171450" indent="-171450">
+                <a:buFontTx/>
+                <a:buChar char="-"/>
+              </a:pPr>
+              <a:r>
+                <a:rPr kumimoji="1" lang="ko-KR" altLang="en-US" sz="1000" dirty="0" err="1"/>
+                <a:t>설정이미지</a:t>
+              </a:r>
+              <a:endParaRPr kumimoji="1" lang="en-US" altLang="ko-KR" sz="1000" dirty="0"/>
+            </a:p>
+            <a:p>
+              <a:pPr marL="171450" indent="-171450">
+                <a:buFontTx/>
+                <a:buChar char="-"/>
+              </a:pPr>
+              <a:r>
+                <a:rPr kumimoji="1" lang="ko-KR" altLang="en-US" sz="1000" dirty="0"/>
+                <a:t>직접 찍은 명함사진</a:t>
+              </a:r>
+              <a:endParaRPr kumimoji="1" lang="en-US" altLang="ko-KR" sz="1000" dirty="0"/>
+            </a:p>
+          </p:txBody>
+        </p:sp>
+      </p:grpSp>
+      <p:cxnSp>
+        <p:nvCxnSpPr>
+          <p:cNvPr id="32" name="직선 연결선[R] 31">
+            <a:extLst>
+              <a:ext uri="{FF2B5EF4-FFF2-40B4-BE49-F238E27FC236}">
+                <a16:creationId xmlns:a16="http://schemas.microsoft.com/office/drawing/2014/main" id="{F839A0A8-1BB9-B965-7A24-373AB7C326E6}"/>
+              </a:ext>
+            </a:extLst>
+          </p:cNvPr>
+          <p:cNvCxnSpPr/>
+          <p:nvPr/>
+        </p:nvCxnSpPr>
+        <p:spPr>
+          <a:xfrm>
+            <a:off x="8792308" y="0"/>
+            <a:ext cx="0" cy="6858000"/>
+          </a:xfrm>
+          <a:prstGeom prst="line">
+            <a:avLst/>
+          </a:prstGeom>
+        </p:spPr>
+        <p:style>
+          <a:lnRef idx="2">
+            <a:schemeClr val="accent1"/>
+          </a:lnRef>
+          <a:fillRef idx="0">
+            <a:schemeClr val="accent1"/>
+          </a:fillRef>
+          <a:effectRef idx="1">
+            <a:schemeClr val="accent1"/>
+          </a:effectRef>
+          <a:fontRef idx="minor">
+            <a:schemeClr val="tx1"/>
+          </a:fontRef>
+        </p:style>
+      </p:cxnSp>
+      <p:sp>
+        <p:nvSpPr>
+          <p:cNvPr id="34" name="TextBox 33">
+            <a:extLst>
+              <a:ext uri="{FF2B5EF4-FFF2-40B4-BE49-F238E27FC236}">
+                <a16:creationId xmlns:a16="http://schemas.microsoft.com/office/drawing/2014/main" id="{7A89564B-61C0-7FF0-143D-205440DE4C0C}"/>
+              </a:ext>
+            </a:extLst>
+          </p:cNvPr>
+          <p:cNvSpPr txBox="1"/>
+          <p:nvPr/>
+        </p:nvSpPr>
+        <p:spPr>
+          <a:xfrm>
+            <a:off x="9157815" y="586716"/>
+            <a:ext cx="2632647" cy="1446550"/>
+          </a:xfrm>
+          <a:prstGeom prst="rect">
+            <a:avLst/>
+          </a:prstGeom>
+          <a:noFill/>
+        </p:spPr>
+        <p:txBody>
+          <a:bodyPr wrap="square" rtlCol="0">
+            <a:spAutoFit/>
+          </a:bodyPr>
+          <a:lstStyle/>
+          <a:p>
+            <a:r>
+              <a:rPr kumimoji="1" lang="ko-KR" altLang="en-US" sz="1400" b="1" dirty="0"/>
+              <a:t>필요 기능</a:t>
+            </a:r>
+            <a:endParaRPr kumimoji="1" lang="en-US" altLang="ko-KR" sz="1400" b="1" dirty="0"/>
+          </a:p>
+          <a:p>
+            <a:endParaRPr kumimoji="1" lang="en-US" altLang="ko-KR" sz="1400" b="1" dirty="0"/>
+          </a:p>
+          <a:p>
+            <a:pPr marL="228600" indent="-228600">
+              <a:buAutoNum type="arabicPeriod"/>
+            </a:pPr>
+            <a:r>
+              <a:rPr kumimoji="1" lang="ko-KR" altLang="en-US" sz="1000" dirty="0"/>
+              <a:t>최신화</a:t>
+            </a:r>
+            <a:endParaRPr kumimoji="1" lang="en-US" altLang="ko-KR" sz="1000" dirty="0"/>
+          </a:p>
+          <a:p>
+            <a:pPr marL="171450" indent="-171450">
+              <a:buFontTx/>
+              <a:buChar char="-"/>
+            </a:pPr>
+            <a:r>
+              <a:rPr kumimoji="1" lang="en-US" altLang="ko-KR" sz="1000" dirty="0"/>
+              <a:t>DB</a:t>
+            </a:r>
+            <a:r>
+              <a:rPr kumimoji="1" lang="ko-KR" altLang="en-US" sz="1000" dirty="0"/>
+              <a:t>에서 데이터 받고 최근추가한 명함</a:t>
+            </a:r>
+            <a:r>
+              <a:rPr kumimoji="1" lang="en-US" altLang="ko-KR" sz="1000" dirty="0"/>
+              <a:t>, </a:t>
+            </a:r>
+            <a:r>
+              <a:rPr kumimoji="1" lang="ko-KR" altLang="en-US" sz="1000" dirty="0"/>
+              <a:t>일정이 바로 최신화</a:t>
+            </a:r>
+            <a:endParaRPr kumimoji="1" lang="en-US" altLang="ko-KR" sz="1000" dirty="0"/>
+          </a:p>
+          <a:p>
+            <a:pPr marL="171450" indent="-171450">
+              <a:buFontTx/>
+              <a:buChar char="-"/>
+            </a:pPr>
+            <a:endParaRPr kumimoji="1" lang="en-US" altLang="ko-KR" sz="1000" dirty="0"/>
+          </a:p>
+          <a:p>
+            <a:pPr marL="228600" indent="-228600">
+              <a:buFont typeface="+mj-lt"/>
+              <a:buAutoNum type="arabicPeriod" startAt="2"/>
+            </a:pPr>
+            <a:r>
+              <a:rPr kumimoji="1" lang="ko-KR" altLang="en-US" sz="1000" dirty="0"/>
+              <a:t>이동</a:t>
+            </a:r>
+            <a:endParaRPr kumimoji="1" lang="en-US" altLang="ko-KR" sz="1000" dirty="0"/>
+          </a:p>
+          <a:p>
+            <a:pPr marL="171450" marR="0" lvl="0" indent="-171450" algn="l" defTabSz="914400" rtl="0" eaLnBrk="1" fontAlgn="auto" latinLnBrk="1" hangingPunct="1">
+              <a:lnSpc>
+                <a:spcPct val="100000"/>
+              </a:lnSpc>
+              <a:spcBef>
+                <a:spcPts val="0"/>
+              </a:spcBef>
+              <a:spcAft>
+                <a:spcPts val="0"/>
+              </a:spcAft>
+              <a:buClrTx/>
+              <a:buSzTx/>
+              <a:buFontTx/>
+              <a:buChar char="-"/>
+              <a:tabLst/>
+              <a:defRPr/>
+            </a:pPr>
+            <a:r>
+              <a:rPr kumimoji="1" lang="ko-KR" altLang="en-US" sz="1000" b="0" i="0" u="none" strike="noStrike" kern="1200" cap="none" spc="0" normalizeH="0" baseline="0" noProof="0" dirty="0">
+                <a:ln>
+                  <a:noFill/>
+                </a:ln>
+                <a:solidFill>
+                  <a:prstClr val="black"/>
+                </a:solidFill>
+                <a:effectLst/>
+                <a:uLnTx/>
+                <a:uFillTx/>
+                <a:latin typeface="맑은 고딕" panose="02110004020202020204"/>
+                <a:ea typeface="맑은 고딕" panose="020B0503020000020004" pitchFamily="34" charset="-127"/>
+                <a:cs typeface="+mn-cs"/>
+              </a:rPr>
+              <a:t>명함목록과 일정으로 이동</a:t>
+            </a:r>
+            <a:endParaRPr kumimoji="1" lang="en-US" altLang="ko-KR" sz="1000" b="0" i="0" u="none" strike="noStrike" kern="1200" cap="none" spc="0" normalizeH="0" baseline="0" noProof="0" dirty="0">
+              <a:ln>
+                <a:noFill/>
+              </a:ln>
+              <a:solidFill>
+                <a:prstClr val="black"/>
+              </a:solidFill>
+              <a:effectLst/>
+              <a:uLnTx/>
+              <a:uFillTx/>
+              <a:latin typeface="맑은 고딕" panose="02110004020202020204"/>
+              <a:ea typeface="맑은 고딕" panose="020B0503020000020004" pitchFamily="34" charset="-127"/>
+              <a:cs typeface="+mn-cs"/>
+            </a:endParaRPr>
+          </a:p>
+        </p:txBody>
+      </p:sp>
+      <p:grpSp>
+        <p:nvGrpSpPr>
+          <p:cNvPr id="13" name="그룹 12">
+            <a:extLst>
+              <a:ext uri="{FF2B5EF4-FFF2-40B4-BE49-F238E27FC236}">
+                <a16:creationId xmlns:a16="http://schemas.microsoft.com/office/drawing/2014/main" id="{61316E6E-043E-48A8-8391-88AB162943CC}"/>
+              </a:ext>
+            </a:extLst>
+          </p:cNvPr>
+          <p:cNvGrpSpPr/>
+          <p:nvPr/>
+        </p:nvGrpSpPr>
+        <p:grpSpPr>
+          <a:xfrm>
+            <a:off x="625045" y="2373901"/>
+            <a:ext cx="2167323" cy="3724532"/>
+            <a:chOff x="961357" y="2163113"/>
+            <a:chExt cx="2167323" cy="3724532"/>
+          </a:xfrm>
+        </p:grpSpPr>
+        <p:grpSp>
+          <p:nvGrpSpPr>
+            <p:cNvPr id="11" name="그룹 10">
+              <a:extLst>
+                <a:ext uri="{FF2B5EF4-FFF2-40B4-BE49-F238E27FC236}">
+                  <a16:creationId xmlns:a16="http://schemas.microsoft.com/office/drawing/2014/main" id="{083E2611-58E5-45B3-B369-E90E4CFD00B9}"/>
+                </a:ext>
+              </a:extLst>
+            </p:cNvPr>
+            <p:cNvGrpSpPr/>
+            <p:nvPr/>
+          </p:nvGrpSpPr>
+          <p:grpSpPr>
+            <a:xfrm>
+              <a:off x="961357" y="2163113"/>
+              <a:ext cx="2167323" cy="3724532"/>
+              <a:chOff x="1055331" y="2210993"/>
+              <a:chExt cx="1813369" cy="3724532"/>
+            </a:xfrm>
+          </p:grpSpPr>
+          <p:sp>
+            <p:nvSpPr>
+              <p:cNvPr id="5" name="직사각형 4">
+                <a:extLst>
+                  <a:ext uri="{FF2B5EF4-FFF2-40B4-BE49-F238E27FC236}">
+                    <a16:creationId xmlns:a16="http://schemas.microsoft.com/office/drawing/2014/main" id="{534B1BB9-4DB6-4196-8BCA-8FB61F9D8C2F}"/>
+                  </a:ext>
+                </a:extLst>
+              </p:cNvPr>
+              <p:cNvSpPr/>
+              <p:nvPr/>
+            </p:nvSpPr>
+            <p:spPr>
+              <a:xfrm>
+                <a:off x="1055332" y="2219154"/>
+                <a:ext cx="1813368" cy="3697547"/>
+              </a:xfrm>
+              <a:prstGeom prst="rect">
+                <a:avLst/>
+              </a:prstGeom>
+              <a:solidFill>
+                <a:schemeClr val="bg1"/>
+              </a:solidFill>
+            </p:spPr>
+            <p:style>
+              <a:lnRef idx="2">
+                <a:schemeClr val="accent1">
+                  <a:shade val="50000"/>
+                </a:schemeClr>
+              </a:lnRef>
+              <a:fillRef idx="1">
+                <a:schemeClr val="accent1"/>
+              </a:fillRef>
+              <a:effectRef idx="0">
+                <a:schemeClr val="accent1"/>
+              </a:effectRef>
+              <a:fontRef idx="minor">
+                <a:schemeClr val="lt1"/>
+              </a:fontRef>
+            </p:style>
+            <p:txBody>
+              <a:bodyPr rtlCol="0" anchor="ctr"/>
+              <a:lstStyle/>
+              <a:p>
+                <a:pPr algn="ctr"/>
+                <a:endParaRPr lang="ko-KR" altLang="en-US"/>
+              </a:p>
+            </p:txBody>
+          </p:sp>
+          <p:sp>
+            <p:nvSpPr>
+              <p:cNvPr id="7" name="직사각형 6">
+                <a:extLst>
+                  <a:ext uri="{FF2B5EF4-FFF2-40B4-BE49-F238E27FC236}">
+                    <a16:creationId xmlns:a16="http://schemas.microsoft.com/office/drawing/2014/main" id="{CAD76731-046D-4F36-A7A2-8C038399A94F}"/>
+                  </a:ext>
+                </a:extLst>
+              </p:cNvPr>
+              <p:cNvSpPr/>
+              <p:nvPr/>
+            </p:nvSpPr>
+            <p:spPr>
+              <a:xfrm>
+                <a:off x="1252447" y="2886635"/>
+                <a:ext cx="1419138" cy="851647"/>
+              </a:xfrm>
+              <a:prstGeom prst="rect">
+                <a:avLst/>
+              </a:prstGeom>
+              <a:solidFill>
+                <a:schemeClr val="bg1"/>
+              </a:solidFill>
+            </p:spPr>
+            <p:style>
+              <a:lnRef idx="2">
+                <a:schemeClr val="accent1">
+                  <a:shade val="50000"/>
+                </a:schemeClr>
+              </a:lnRef>
+              <a:fillRef idx="1">
+                <a:schemeClr val="accent1"/>
+              </a:fillRef>
+              <a:effectRef idx="0">
+                <a:schemeClr val="accent1"/>
+              </a:effectRef>
+              <a:fontRef idx="minor">
+                <a:schemeClr val="lt1"/>
+              </a:fontRef>
+            </p:style>
+            <p:txBody>
+              <a:bodyPr rtlCol="0" anchor="ctr"/>
+              <a:lstStyle/>
+              <a:p>
+                <a:pPr algn="ctr"/>
+                <a:r>
+                  <a:rPr lang="ko-KR" altLang="en-US" sz="1000" dirty="0" err="1">
+                    <a:solidFill>
+                      <a:sysClr val="windowText" lastClr="000000"/>
+                    </a:solidFill>
+                  </a:rPr>
+                  <a:t>내명함이미지</a:t>
+                </a:r>
+                <a:endParaRPr lang="ko-KR" altLang="en-US" sz="1000" dirty="0">
+                  <a:solidFill>
+                    <a:sysClr val="windowText" lastClr="000000"/>
+                  </a:solidFill>
+                </a:endParaRPr>
+              </a:p>
+            </p:txBody>
+          </p:sp>
+          <p:sp>
+            <p:nvSpPr>
+              <p:cNvPr id="8" name="직사각형 7">
+                <a:extLst>
+                  <a:ext uri="{FF2B5EF4-FFF2-40B4-BE49-F238E27FC236}">
+                    <a16:creationId xmlns:a16="http://schemas.microsoft.com/office/drawing/2014/main" id="{A350D880-FC68-4188-818C-DFE0D468AAFE}"/>
+                  </a:ext>
+                </a:extLst>
+              </p:cNvPr>
+              <p:cNvSpPr/>
+              <p:nvPr/>
+            </p:nvSpPr>
+            <p:spPr>
+              <a:xfrm>
+                <a:off x="1252446" y="2671482"/>
+                <a:ext cx="710715" cy="143436"/>
+              </a:xfrm>
+              <a:prstGeom prst="rect">
+                <a:avLst/>
+              </a:prstGeom>
+              <a:solidFill>
+                <a:schemeClr val="bg1"/>
+              </a:solidFill>
+            </p:spPr>
+            <p:style>
+              <a:lnRef idx="2">
+                <a:schemeClr val="accent1">
+                  <a:shade val="50000"/>
+                </a:schemeClr>
+              </a:lnRef>
+              <a:fillRef idx="1">
+                <a:schemeClr val="accent1"/>
+              </a:fillRef>
+              <a:effectRef idx="0">
+                <a:schemeClr val="accent1"/>
+              </a:effectRef>
+              <a:fontRef idx="minor">
+                <a:schemeClr val="lt1"/>
+              </a:fontRef>
+            </p:style>
+            <p:txBody>
+              <a:bodyPr rtlCol="0" anchor="ctr"/>
+              <a:lstStyle/>
+              <a:p>
+                <a:pPr algn="ctr"/>
+                <a:r>
+                  <a:rPr lang="ko-KR" altLang="en-US" sz="1000" dirty="0" err="1">
+                    <a:solidFill>
+                      <a:schemeClr val="tx1"/>
+                    </a:solidFill>
+                  </a:rPr>
+                  <a:t>내명함</a:t>
+                </a:r>
+                <a:endParaRPr lang="ko-KR" altLang="en-US" sz="1000" dirty="0">
+                  <a:solidFill>
+                    <a:schemeClr val="tx1"/>
+                  </a:solidFill>
+                </a:endParaRPr>
+              </a:p>
+            </p:txBody>
+          </p:sp>
+          <p:sp>
+            <p:nvSpPr>
+              <p:cNvPr id="9" name="직사각형 8">
+                <a:extLst>
+                  <a:ext uri="{FF2B5EF4-FFF2-40B4-BE49-F238E27FC236}">
+                    <a16:creationId xmlns:a16="http://schemas.microsoft.com/office/drawing/2014/main" id="{74530247-4601-425A-90E6-E0C92F49876F}"/>
+                  </a:ext>
+                </a:extLst>
+              </p:cNvPr>
+              <p:cNvSpPr/>
+              <p:nvPr/>
+            </p:nvSpPr>
+            <p:spPr>
+              <a:xfrm>
+                <a:off x="1252447" y="4106017"/>
+                <a:ext cx="1419138" cy="502023"/>
+              </a:xfrm>
+              <a:prstGeom prst="rect">
+                <a:avLst/>
+              </a:prstGeom>
+              <a:solidFill>
+                <a:schemeClr val="bg1"/>
+              </a:solidFill>
+            </p:spPr>
+            <p:style>
+              <a:lnRef idx="2">
+                <a:schemeClr val="accent1">
+                  <a:shade val="50000"/>
+                </a:schemeClr>
+              </a:lnRef>
+              <a:fillRef idx="1">
+                <a:schemeClr val="accent1"/>
+              </a:fillRef>
+              <a:effectRef idx="0">
+                <a:schemeClr val="accent1"/>
+              </a:effectRef>
+              <a:fontRef idx="minor">
+                <a:schemeClr val="lt1"/>
+              </a:fontRef>
+            </p:style>
+            <p:txBody>
+              <a:bodyPr rtlCol="0" anchor="ctr"/>
+              <a:lstStyle/>
+              <a:p>
+                <a:pPr algn="ctr"/>
+                <a:r>
+                  <a:rPr lang="ko-KR" altLang="en-US" sz="1000" dirty="0">
+                    <a:solidFill>
+                      <a:schemeClr val="tx1"/>
+                    </a:solidFill>
+                  </a:rPr>
+                  <a:t>이름</a:t>
+                </a:r>
+                <a:r>
+                  <a:rPr lang="en-US" altLang="ko-KR" sz="1000" dirty="0">
+                    <a:solidFill>
+                      <a:schemeClr val="tx1"/>
+                    </a:solidFill>
+                  </a:rPr>
+                  <a:t>, </a:t>
+                </a:r>
+                <a:r>
+                  <a:rPr lang="ko-KR" altLang="en-US" sz="1000" dirty="0">
+                    <a:solidFill>
+                      <a:schemeClr val="tx1"/>
+                    </a:solidFill>
+                  </a:rPr>
+                  <a:t>회사</a:t>
+                </a:r>
+                <a:endParaRPr lang="en-US" altLang="ko-KR" sz="1000" dirty="0">
+                  <a:solidFill>
+                    <a:schemeClr val="tx1"/>
+                  </a:solidFill>
+                </a:endParaRPr>
+              </a:p>
+              <a:p>
+                <a:pPr algn="ctr"/>
+                <a:r>
+                  <a:rPr lang="ko-KR" altLang="en-US" sz="1000" dirty="0">
+                    <a:solidFill>
+                      <a:schemeClr val="tx1"/>
+                    </a:solidFill>
+                  </a:rPr>
+                  <a:t>이미지 보기</a:t>
+                </a:r>
+              </a:p>
+            </p:txBody>
+          </p:sp>
+          <p:sp>
+            <p:nvSpPr>
+              <p:cNvPr id="21" name="직사각형 20">
+                <a:extLst>
+                  <a:ext uri="{FF2B5EF4-FFF2-40B4-BE49-F238E27FC236}">
+                    <a16:creationId xmlns:a16="http://schemas.microsoft.com/office/drawing/2014/main" id="{2734CCB4-3A01-40DC-A1D2-28CFAAF9F828}"/>
+                  </a:ext>
+                </a:extLst>
+              </p:cNvPr>
+              <p:cNvSpPr/>
+              <p:nvPr/>
+            </p:nvSpPr>
+            <p:spPr>
+              <a:xfrm>
+                <a:off x="1252446" y="3881718"/>
+                <a:ext cx="1018800" cy="143436"/>
+              </a:xfrm>
+              <a:prstGeom prst="rect">
+                <a:avLst/>
+              </a:prstGeom>
+              <a:solidFill>
+                <a:schemeClr val="bg1"/>
+              </a:solidFill>
+            </p:spPr>
+            <p:style>
+              <a:lnRef idx="2">
+                <a:schemeClr val="accent1">
+                  <a:shade val="50000"/>
+                </a:schemeClr>
+              </a:lnRef>
+              <a:fillRef idx="1">
+                <a:schemeClr val="accent1"/>
+              </a:fillRef>
+              <a:effectRef idx="0">
+                <a:schemeClr val="accent1"/>
+              </a:effectRef>
+              <a:fontRef idx="minor">
+                <a:schemeClr val="lt1"/>
+              </a:fontRef>
+            </p:style>
+            <p:txBody>
+              <a:bodyPr rtlCol="0" anchor="ctr"/>
+              <a:lstStyle/>
+              <a:p>
+                <a:pPr algn="ctr"/>
+                <a:r>
+                  <a:rPr lang="ko-KR" altLang="en-US" sz="1000" dirty="0">
+                    <a:solidFill>
+                      <a:schemeClr val="tx1"/>
+                    </a:solidFill>
+                  </a:rPr>
+                  <a:t>최근 추가한 명함</a:t>
+                </a:r>
+              </a:p>
+            </p:txBody>
+          </p:sp>
+          <p:sp>
+            <p:nvSpPr>
+              <p:cNvPr id="24" name="직사각형 23">
+                <a:extLst>
+                  <a:ext uri="{FF2B5EF4-FFF2-40B4-BE49-F238E27FC236}">
+                    <a16:creationId xmlns:a16="http://schemas.microsoft.com/office/drawing/2014/main" id="{8501ADA6-1864-41CD-B2C3-4946C71BBDAD}"/>
+                  </a:ext>
+                </a:extLst>
+              </p:cNvPr>
+              <p:cNvSpPr/>
+              <p:nvPr/>
+            </p:nvSpPr>
+            <p:spPr>
+              <a:xfrm>
+                <a:off x="1251300" y="4661646"/>
+                <a:ext cx="710715" cy="143436"/>
+              </a:xfrm>
+              <a:prstGeom prst="rect">
+                <a:avLst/>
+              </a:prstGeom>
+              <a:solidFill>
+                <a:schemeClr val="bg1"/>
+              </a:solidFill>
+            </p:spPr>
+            <p:style>
+              <a:lnRef idx="2">
+                <a:schemeClr val="accent1">
+                  <a:shade val="50000"/>
+                </a:schemeClr>
+              </a:lnRef>
+              <a:fillRef idx="1">
+                <a:schemeClr val="accent1"/>
+              </a:fillRef>
+              <a:effectRef idx="0">
+                <a:schemeClr val="accent1"/>
+              </a:effectRef>
+              <a:fontRef idx="minor">
+                <a:schemeClr val="lt1"/>
+              </a:fontRef>
+            </p:style>
+            <p:txBody>
+              <a:bodyPr rtlCol="0" anchor="ctr"/>
+              <a:lstStyle/>
+              <a:p>
+                <a:pPr algn="ctr"/>
+                <a:r>
+                  <a:rPr lang="ko-KR" altLang="en-US" sz="1000" dirty="0">
+                    <a:solidFill>
+                      <a:schemeClr val="tx1"/>
+                    </a:solidFill>
+                  </a:rPr>
+                  <a:t>일정</a:t>
+                </a:r>
+              </a:p>
+            </p:txBody>
+          </p:sp>
+          <p:sp>
+            <p:nvSpPr>
+              <p:cNvPr id="26" name="직사각형 25">
+                <a:extLst>
+                  <a:ext uri="{FF2B5EF4-FFF2-40B4-BE49-F238E27FC236}">
+                    <a16:creationId xmlns:a16="http://schemas.microsoft.com/office/drawing/2014/main" id="{CDAFE4A5-8096-436F-A0A7-20ECF27B7030}"/>
+                  </a:ext>
+                </a:extLst>
+              </p:cNvPr>
+              <p:cNvSpPr/>
+              <p:nvPr/>
+            </p:nvSpPr>
+            <p:spPr>
+              <a:xfrm>
+                <a:off x="1252447" y="4881374"/>
+                <a:ext cx="1419138" cy="502023"/>
+              </a:xfrm>
+              <a:prstGeom prst="rect">
+                <a:avLst/>
+              </a:prstGeom>
+              <a:solidFill>
+                <a:schemeClr val="bg1"/>
+              </a:solidFill>
+            </p:spPr>
+            <p:style>
+              <a:lnRef idx="2">
+                <a:schemeClr val="accent1">
+                  <a:shade val="50000"/>
+                </a:schemeClr>
+              </a:lnRef>
+              <a:fillRef idx="1">
+                <a:schemeClr val="accent1"/>
+              </a:fillRef>
+              <a:effectRef idx="0">
+                <a:schemeClr val="accent1"/>
+              </a:effectRef>
+              <a:fontRef idx="minor">
+                <a:schemeClr val="lt1"/>
+              </a:fontRef>
+            </p:style>
+            <p:txBody>
+              <a:bodyPr rtlCol="0" anchor="ctr"/>
+              <a:lstStyle/>
+              <a:p>
+                <a:pPr algn="ctr"/>
+                <a:r>
+                  <a:rPr lang="ko-KR" altLang="en-US" sz="1000" dirty="0">
+                    <a:solidFill>
+                      <a:schemeClr val="tx1"/>
+                    </a:solidFill>
+                  </a:rPr>
+                  <a:t>가장 가까운 이벤트</a:t>
+                </a:r>
+              </a:p>
+            </p:txBody>
+          </p:sp>
+          <p:sp>
+            <p:nvSpPr>
+              <p:cNvPr id="10" name="직사각형 9">
+                <a:extLst>
+                  <a:ext uri="{FF2B5EF4-FFF2-40B4-BE49-F238E27FC236}">
+                    <a16:creationId xmlns:a16="http://schemas.microsoft.com/office/drawing/2014/main" id="{6B17130E-8FA2-46F6-A4D5-5427D8B292F4}"/>
+                  </a:ext>
+                </a:extLst>
+              </p:cNvPr>
+              <p:cNvSpPr/>
+              <p:nvPr/>
+            </p:nvSpPr>
+            <p:spPr>
+              <a:xfrm>
+                <a:off x="1055331" y="2210993"/>
+                <a:ext cx="1813368" cy="330086"/>
+              </a:xfrm>
+              <a:prstGeom prst="rect">
+                <a:avLst/>
+              </a:prstGeom>
+              <a:solidFill>
+                <a:schemeClr val="bg1"/>
+              </a:solidFill>
+            </p:spPr>
+            <p:style>
+              <a:lnRef idx="2">
+                <a:schemeClr val="accent1">
+                  <a:shade val="50000"/>
+                </a:schemeClr>
+              </a:lnRef>
+              <a:fillRef idx="1">
+                <a:schemeClr val="accent1"/>
+              </a:fillRef>
+              <a:effectRef idx="0">
+                <a:schemeClr val="accent1"/>
+              </a:effectRef>
+              <a:fontRef idx="minor">
+                <a:schemeClr val="lt1"/>
+              </a:fontRef>
+            </p:style>
+            <p:txBody>
+              <a:bodyPr rtlCol="0" anchor="ctr"/>
+              <a:lstStyle/>
+              <a:p>
+                <a:pPr algn="ctr"/>
+                <a:r>
+                  <a:rPr lang="ko-KR" altLang="en-US" sz="1000" dirty="0">
+                    <a:solidFill>
+                      <a:schemeClr val="tx1"/>
+                    </a:solidFill>
+                  </a:rPr>
+                  <a:t>앱 이름</a:t>
+                </a:r>
+              </a:p>
+            </p:txBody>
+          </p:sp>
+          <p:sp>
+            <p:nvSpPr>
+              <p:cNvPr id="27" name="직사각형 26">
+                <a:extLst>
+                  <a:ext uri="{FF2B5EF4-FFF2-40B4-BE49-F238E27FC236}">
+                    <a16:creationId xmlns:a16="http://schemas.microsoft.com/office/drawing/2014/main" id="{8E29622F-70FC-4595-8907-315BD8E352F5}"/>
+                  </a:ext>
+                </a:extLst>
+              </p:cNvPr>
+              <p:cNvSpPr/>
+              <p:nvPr/>
+            </p:nvSpPr>
+            <p:spPr>
+              <a:xfrm>
+                <a:off x="1055331" y="5605439"/>
+                <a:ext cx="1813368" cy="330086"/>
+              </a:xfrm>
+              <a:prstGeom prst="rect">
+                <a:avLst/>
+              </a:prstGeom>
+              <a:solidFill>
+                <a:schemeClr val="bg1"/>
+              </a:solidFill>
+            </p:spPr>
+            <p:style>
+              <a:lnRef idx="2">
+                <a:schemeClr val="accent1">
+                  <a:shade val="50000"/>
+                </a:schemeClr>
+              </a:lnRef>
+              <a:fillRef idx="1">
+                <a:schemeClr val="accent1"/>
+              </a:fillRef>
+              <a:effectRef idx="0">
+                <a:schemeClr val="accent1"/>
+              </a:effectRef>
+              <a:fontRef idx="minor">
+                <a:schemeClr val="lt1"/>
+              </a:fontRef>
+            </p:style>
+            <p:txBody>
+              <a:bodyPr rtlCol="0" anchor="ctr"/>
+              <a:lstStyle/>
+              <a:p>
+                <a:pPr algn="ctr"/>
+                <a:r>
+                  <a:rPr lang="ko-KR" altLang="en-US" sz="1000" dirty="0">
+                    <a:solidFill>
+                      <a:schemeClr val="tx1"/>
+                    </a:solidFill>
+                  </a:rPr>
+                  <a:t>버튼</a:t>
+                </a:r>
+              </a:p>
+            </p:txBody>
+          </p:sp>
+        </p:grpSp>
+        <p:sp>
+          <p:nvSpPr>
+            <p:cNvPr id="30" name="직사각형 29">
+              <a:extLst>
+                <a:ext uri="{FF2B5EF4-FFF2-40B4-BE49-F238E27FC236}">
+                  <a16:creationId xmlns:a16="http://schemas.microsoft.com/office/drawing/2014/main" id="{F0D0BB49-1DF1-45BB-85E1-F244CE0DDE4B}"/>
+                </a:ext>
+              </a:extLst>
+            </p:cNvPr>
+            <p:cNvSpPr/>
+            <p:nvPr/>
+          </p:nvSpPr>
+          <p:spPr>
+            <a:xfrm>
+              <a:off x="2414608" y="2636635"/>
+              <a:ext cx="464500" cy="121257"/>
+            </a:xfrm>
+            <a:prstGeom prst="rect">
+              <a:avLst/>
+            </a:prstGeom>
+            <a:solidFill>
+              <a:schemeClr val="bg1"/>
+            </a:solidFill>
+          </p:spPr>
+          <p:style>
+            <a:lnRef idx="2">
+              <a:schemeClr val="accent1">
+                <a:shade val="50000"/>
+              </a:schemeClr>
+            </a:lnRef>
+            <a:fillRef idx="1">
+              <a:schemeClr val="accent1"/>
+            </a:fillRef>
+            <a:effectRef idx="0">
+              <a:schemeClr val="accent1"/>
+            </a:effectRef>
+            <a:fontRef idx="minor">
+              <a:schemeClr val="lt1"/>
+            </a:fontRef>
+          </p:style>
+          <p:txBody>
+            <a:bodyPr rtlCol="0" anchor="ctr"/>
+            <a:lstStyle/>
+            <a:p>
+              <a:pPr algn="ctr"/>
+              <a:r>
+                <a:rPr lang="ko-KR" altLang="en-US" sz="1000" dirty="0">
+                  <a:solidFill>
+                    <a:schemeClr val="tx1"/>
+                  </a:solidFill>
+                </a:rPr>
+                <a:t>수정</a:t>
+              </a:r>
+            </a:p>
+          </p:txBody>
+        </p:sp>
+        <p:sp>
+          <p:nvSpPr>
+            <p:cNvPr id="31" name="직사각형 30">
+              <a:extLst>
+                <a:ext uri="{FF2B5EF4-FFF2-40B4-BE49-F238E27FC236}">
+                  <a16:creationId xmlns:a16="http://schemas.microsoft.com/office/drawing/2014/main" id="{5E78818B-255D-41BA-82B0-FD04A280D9B1}"/>
+                </a:ext>
+              </a:extLst>
+            </p:cNvPr>
+            <p:cNvSpPr/>
+            <p:nvPr/>
+          </p:nvSpPr>
+          <p:spPr>
+            <a:xfrm>
+              <a:off x="2470327" y="3833838"/>
+              <a:ext cx="422764" cy="143436"/>
+            </a:xfrm>
+            <a:prstGeom prst="rect">
+              <a:avLst/>
+            </a:prstGeom>
+            <a:solidFill>
+              <a:schemeClr val="bg1"/>
+            </a:solidFill>
+          </p:spPr>
+          <p:style>
+            <a:lnRef idx="2">
+              <a:schemeClr val="accent1">
+                <a:shade val="50000"/>
+              </a:schemeClr>
+            </a:lnRef>
+            <a:fillRef idx="1">
+              <a:schemeClr val="accent1"/>
+            </a:fillRef>
+            <a:effectRef idx="0">
+              <a:schemeClr val="accent1"/>
+            </a:effectRef>
+            <a:fontRef idx="minor">
+              <a:schemeClr val="lt1"/>
+            </a:fontRef>
+          </p:style>
+          <p:txBody>
+            <a:bodyPr rtlCol="0" anchor="ctr"/>
+            <a:lstStyle/>
+            <a:p>
+              <a:pPr algn="ctr"/>
+              <a:r>
+                <a:rPr lang="ko-KR" altLang="en-US" sz="800" dirty="0">
+                  <a:solidFill>
+                    <a:schemeClr val="tx1"/>
+                  </a:solidFill>
+                </a:rPr>
+                <a:t>이동</a:t>
+              </a:r>
+            </a:p>
+          </p:txBody>
+        </p:sp>
+        <p:sp>
+          <p:nvSpPr>
+            <p:cNvPr id="35" name="직사각형 34">
+              <a:extLst>
+                <a:ext uri="{FF2B5EF4-FFF2-40B4-BE49-F238E27FC236}">
+                  <a16:creationId xmlns:a16="http://schemas.microsoft.com/office/drawing/2014/main" id="{4416870F-C132-47FD-9F46-3F49B08096CE}"/>
+                </a:ext>
+              </a:extLst>
+            </p:cNvPr>
+            <p:cNvSpPr/>
+            <p:nvPr/>
+          </p:nvSpPr>
+          <p:spPr>
+            <a:xfrm>
+              <a:off x="2470327" y="4631502"/>
+              <a:ext cx="422764" cy="143436"/>
+            </a:xfrm>
+            <a:prstGeom prst="rect">
+              <a:avLst/>
+            </a:prstGeom>
+            <a:solidFill>
+              <a:schemeClr val="bg1"/>
+            </a:solidFill>
+          </p:spPr>
+          <p:style>
+            <a:lnRef idx="2">
+              <a:schemeClr val="accent1">
+                <a:shade val="50000"/>
+              </a:schemeClr>
+            </a:lnRef>
+            <a:fillRef idx="1">
+              <a:schemeClr val="accent1"/>
+            </a:fillRef>
+            <a:effectRef idx="0">
+              <a:schemeClr val="accent1"/>
+            </a:effectRef>
+            <a:fontRef idx="minor">
+              <a:schemeClr val="lt1"/>
+            </a:fontRef>
+          </p:style>
+          <p:txBody>
+            <a:bodyPr rtlCol="0" anchor="ctr"/>
+            <a:lstStyle/>
+            <a:p>
+              <a:pPr algn="ctr"/>
+              <a:r>
+                <a:rPr lang="ko-KR" altLang="en-US" sz="800" dirty="0">
+                  <a:solidFill>
+                    <a:schemeClr val="tx1"/>
+                  </a:solidFill>
+                </a:rPr>
+                <a:t>이동</a:t>
+              </a:r>
+            </a:p>
+          </p:txBody>
+        </p:sp>
+      </p:grpSp>
+      <p:grpSp>
+        <p:nvGrpSpPr>
+          <p:cNvPr id="37" name="그룹 36">
+            <a:extLst>
+              <a:ext uri="{FF2B5EF4-FFF2-40B4-BE49-F238E27FC236}">
+                <a16:creationId xmlns:a16="http://schemas.microsoft.com/office/drawing/2014/main" id="{B277AB69-B870-4D59-98C5-954ACEDAD69E}"/>
+              </a:ext>
+            </a:extLst>
+          </p:cNvPr>
+          <p:cNvGrpSpPr/>
+          <p:nvPr/>
+        </p:nvGrpSpPr>
+        <p:grpSpPr>
+          <a:xfrm>
+            <a:off x="4705203" y="2725225"/>
+            <a:ext cx="2167323" cy="3724532"/>
+            <a:chOff x="1055331" y="2210993"/>
+            <a:chExt cx="1813369" cy="3724532"/>
+          </a:xfrm>
+        </p:grpSpPr>
+        <p:sp>
+          <p:nvSpPr>
+            <p:cNvPr id="41" name="직사각형 40">
+              <a:extLst>
+                <a:ext uri="{FF2B5EF4-FFF2-40B4-BE49-F238E27FC236}">
+                  <a16:creationId xmlns:a16="http://schemas.microsoft.com/office/drawing/2014/main" id="{70FD6382-7B0B-4823-8526-420F1B240772}"/>
+                </a:ext>
+              </a:extLst>
+            </p:cNvPr>
+            <p:cNvSpPr/>
+            <p:nvPr/>
+          </p:nvSpPr>
+          <p:spPr>
+            <a:xfrm>
+              <a:off x="1055332" y="2219154"/>
+              <a:ext cx="1813368" cy="3697547"/>
+            </a:xfrm>
+            <a:prstGeom prst="rect">
+              <a:avLst/>
+            </a:prstGeom>
+            <a:solidFill>
+              <a:schemeClr val="bg1"/>
+            </a:solidFill>
+          </p:spPr>
+          <p:style>
+            <a:lnRef idx="2">
+              <a:schemeClr val="accent1">
+                <a:shade val="50000"/>
+              </a:schemeClr>
+            </a:lnRef>
+            <a:fillRef idx="1">
+              <a:schemeClr val="accent1"/>
+            </a:fillRef>
+            <a:effectRef idx="0">
+              <a:schemeClr val="accent1"/>
+            </a:effectRef>
+            <a:fontRef idx="minor">
+              <a:schemeClr val="lt1"/>
+            </a:fontRef>
+          </p:style>
+          <p:txBody>
+            <a:bodyPr rtlCol="0" anchor="ctr"/>
+            <a:lstStyle/>
+            <a:p>
+              <a:pPr algn="ctr"/>
+              <a:endParaRPr lang="ko-KR" altLang="en-US"/>
+            </a:p>
+          </p:txBody>
+        </p:sp>
+        <p:sp>
+          <p:nvSpPr>
+            <p:cNvPr id="42" name="직사각형 41">
+              <a:extLst>
+                <a:ext uri="{FF2B5EF4-FFF2-40B4-BE49-F238E27FC236}">
+                  <a16:creationId xmlns:a16="http://schemas.microsoft.com/office/drawing/2014/main" id="{32F6FAE9-650B-4473-B418-1150290CD349}"/>
+                </a:ext>
+              </a:extLst>
+            </p:cNvPr>
+            <p:cNvSpPr/>
+            <p:nvPr/>
+          </p:nvSpPr>
+          <p:spPr>
+            <a:xfrm>
+              <a:off x="1252447" y="2886635"/>
+              <a:ext cx="1419138" cy="851647"/>
+            </a:xfrm>
+            <a:prstGeom prst="rect">
+              <a:avLst/>
+            </a:prstGeom>
+            <a:solidFill>
+              <a:schemeClr val="bg1"/>
+            </a:solidFill>
+          </p:spPr>
+          <p:style>
+            <a:lnRef idx="2">
+              <a:schemeClr val="accent1">
+                <a:shade val="50000"/>
+              </a:schemeClr>
+            </a:lnRef>
+            <a:fillRef idx="1">
+              <a:schemeClr val="accent1"/>
+            </a:fillRef>
+            <a:effectRef idx="0">
+              <a:schemeClr val="accent1"/>
+            </a:effectRef>
+            <a:fontRef idx="minor">
+              <a:schemeClr val="lt1"/>
+            </a:fontRef>
+          </p:style>
+          <p:txBody>
+            <a:bodyPr rtlCol="0" anchor="ctr"/>
+            <a:lstStyle/>
+            <a:p>
+              <a:pPr algn="ctr"/>
+              <a:r>
+                <a:rPr lang="ko-KR" altLang="en-US" sz="1000" dirty="0" err="1">
+                  <a:solidFill>
+                    <a:sysClr val="windowText" lastClr="000000"/>
+                  </a:solidFill>
+                </a:rPr>
+                <a:t>내명함이미지</a:t>
+              </a:r>
+              <a:endParaRPr lang="ko-KR" altLang="en-US" sz="1000" dirty="0">
+                <a:solidFill>
+                  <a:sysClr val="windowText" lastClr="000000"/>
+                </a:solidFill>
+              </a:endParaRPr>
+            </a:p>
+          </p:txBody>
+        </p:sp>
+        <p:sp>
+          <p:nvSpPr>
+            <p:cNvPr id="43" name="직사각형 42">
+              <a:extLst>
+                <a:ext uri="{FF2B5EF4-FFF2-40B4-BE49-F238E27FC236}">
+                  <a16:creationId xmlns:a16="http://schemas.microsoft.com/office/drawing/2014/main" id="{438C2763-2344-472E-A5E3-E5D62B753743}"/>
+                </a:ext>
+              </a:extLst>
+            </p:cNvPr>
+            <p:cNvSpPr/>
+            <p:nvPr/>
+          </p:nvSpPr>
+          <p:spPr>
+            <a:xfrm>
+              <a:off x="1252446" y="2671482"/>
+              <a:ext cx="710715" cy="143436"/>
+            </a:xfrm>
+            <a:prstGeom prst="rect">
+              <a:avLst/>
+            </a:prstGeom>
+            <a:solidFill>
+              <a:schemeClr val="bg1"/>
+            </a:solidFill>
+          </p:spPr>
+          <p:style>
+            <a:lnRef idx="2">
+              <a:schemeClr val="accent1">
+                <a:shade val="50000"/>
+              </a:schemeClr>
+            </a:lnRef>
+            <a:fillRef idx="1">
+              <a:schemeClr val="accent1"/>
+            </a:fillRef>
+            <a:effectRef idx="0">
+              <a:schemeClr val="accent1"/>
+            </a:effectRef>
+            <a:fontRef idx="minor">
+              <a:schemeClr val="lt1"/>
+            </a:fontRef>
+          </p:style>
+          <p:txBody>
+            <a:bodyPr rtlCol="0" anchor="ctr"/>
+            <a:lstStyle/>
+            <a:p>
+              <a:pPr algn="ctr"/>
+              <a:r>
+                <a:rPr lang="ko-KR" altLang="en-US" sz="1000" dirty="0" err="1">
+                  <a:solidFill>
+                    <a:schemeClr val="tx1"/>
+                  </a:solidFill>
+                </a:rPr>
+                <a:t>내명함</a:t>
+              </a:r>
+              <a:endParaRPr lang="ko-KR" altLang="en-US" sz="1000" dirty="0">
+                <a:solidFill>
+                  <a:schemeClr val="tx1"/>
+                </a:solidFill>
+              </a:endParaRPr>
+            </a:p>
+          </p:txBody>
+        </p:sp>
+        <p:sp>
+          <p:nvSpPr>
+            <p:cNvPr id="44" name="직사각형 43">
+              <a:extLst>
+                <a:ext uri="{FF2B5EF4-FFF2-40B4-BE49-F238E27FC236}">
+                  <a16:creationId xmlns:a16="http://schemas.microsoft.com/office/drawing/2014/main" id="{559B2138-0B31-4504-8990-E96CD6EFDDB5}"/>
+                </a:ext>
+              </a:extLst>
+            </p:cNvPr>
+            <p:cNvSpPr/>
+            <p:nvPr/>
+          </p:nvSpPr>
+          <p:spPr>
+            <a:xfrm>
+              <a:off x="1252447" y="4106017"/>
+              <a:ext cx="1419138" cy="502023"/>
+            </a:xfrm>
+            <a:prstGeom prst="rect">
+              <a:avLst/>
+            </a:prstGeom>
+            <a:solidFill>
+              <a:schemeClr val="bg1"/>
+            </a:solidFill>
+          </p:spPr>
+          <p:style>
+            <a:lnRef idx="2">
+              <a:schemeClr val="accent1">
+                <a:shade val="50000"/>
+              </a:schemeClr>
+            </a:lnRef>
+            <a:fillRef idx="1">
+              <a:schemeClr val="accent1"/>
+            </a:fillRef>
+            <a:effectRef idx="0">
+              <a:schemeClr val="accent1"/>
+            </a:effectRef>
+            <a:fontRef idx="minor">
+              <a:schemeClr val="lt1"/>
+            </a:fontRef>
+          </p:style>
+          <p:txBody>
+            <a:bodyPr rtlCol="0" anchor="ctr"/>
+            <a:lstStyle/>
+            <a:p>
+              <a:pPr algn="ctr"/>
+              <a:r>
+                <a:rPr lang="ko-KR" altLang="en-US" sz="1000" dirty="0">
+                  <a:solidFill>
+                    <a:schemeClr val="tx1"/>
+                  </a:solidFill>
+                </a:rPr>
+                <a:t>실제 명함 사진</a:t>
+              </a:r>
+            </a:p>
+          </p:txBody>
+        </p:sp>
+        <p:sp>
+          <p:nvSpPr>
+            <p:cNvPr id="45" name="직사각형 44">
+              <a:extLst>
+                <a:ext uri="{FF2B5EF4-FFF2-40B4-BE49-F238E27FC236}">
+                  <a16:creationId xmlns:a16="http://schemas.microsoft.com/office/drawing/2014/main" id="{21131EC6-BA51-40D1-94DC-B606CEF2ACCC}"/>
+                </a:ext>
+              </a:extLst>
+            </p:cNvPr>
+            <p:cNvSpPr/>
+            <p:nvPr/>
+          </p:nvSpPr>
+          <p:spPr>
+            <a:xfrm>
+              <a:off x="1252446" y="3881718"/>
+              <a:ext cx="1018800" cy="143436"/>
+            </a:xfrm>
+            <a:prstGeom prst="rect">
+              <a:avLst/>
+            </a:prstGeom>
+            <a:solidFill>
+              <a:schemeClr val="bg1"/>
+            </a:solidFill>
+          </p:spPr>
+          <p:style>
+            <a:lnRef idx="2">
+              <a:schemeClr val="accent1">
+                <a:shade val="50000"/>
+              </a:schemeClr>
+            </a:lnRef>
+            <a:fillRef idx="1">
+              <a:schemeClr val="accent1"/>
+            </a:fillRef>
+            <a:effectRef idx="0">
+              <a:schemeClr val="accent1"/>
+            </a:effectRef>
+            <a:fontRef idx="minor">
+              <a:schemeClr val="lt1"/>
+            </a:fontRef>
+          </p:style>
+          <p:txBody>
+            <a:bodyPr rtlCol="0" anchor="ctr"/>
+            <a:lstStyle/>
+            <a:p>
+              <a:pPr algn="ctr"/>
+              <a:r>
+                <a:rPr lang="ko-KR" altLang="en-US" sz="1000" dirty="0">
+                  <a:solidFill>
+                    <a:schemeClr val="tx1"/>
+                  </a:solidFill>
+                </a:rPr>
+                <a:t>실제 명함</a:t>
+              </a:r>
+            </a:p>
+          </p:txBody>
+        </p:sp>
+        <p:sp>
+          <p:nvSpPr>
+            <p:cNvPr id="48" name="직사각형 47">
+              <a:extLst>
+                <a:ext uri="{FF2B5EF4-FFF2-40B4-BE49-F238E27FC236}">
+                  <a16:creationId xmlns:a16="http://schemas.microsoft.com/office/drawing/2014/main" id="{14935580-E235-42BD-8292-2D2943EB8494}"/>
+                </a:ext>
+              </a:extLst>
+            </p:cNvPr>
+            <p:cNvSpPr/>
+            <p:nvPr/>
+          </p:nvSpPr>
+          <p:spPr>
+            <a:xfrm>
+              <a:off x="1055331" y="2210993"/>
+              <a:ext cx="1813368" cy="330086"/>
+            </a:xfrm>
+            <a:prstGeom prst="rect">
+              <a:avLst/>
+            </a:prstGeom>
+            <a:solidFill>
+              <a:schemeClr val="bg1"/>
+            </a:solidFill>
+          </p:spPr>
+          <p:style>
+            <a:lnRef idx="2">
+              <a:schemeClr val="accent1">
+                <a:shade val="50000"/>
+              </a:schemeClr>
+            </a:lnRef>
+            <a:fillRef idx="1">
+              <a:schemeClr val="accent1"/>
+            </a:fillRef>
+            <a:effectRef idx="0">
+              <a:schemeClr val="accent1"/>
+            </a:effectRef>
+            <a:fontRef idx="minor">
+              <a:schemeClr val="lt1"/>
+            </a:fontRef>
+          </p:style>
+          <p:txBody>
+            <a:bodyPr rtlCol="0" anchor="ctr"/>
+            <a:lstStyle/>
+            <a:p>
+              <a:pPr algn="ctr"/>
+              <a:r>
+                <a:rPr lang="ko-KR" altLang="en-US" sz="1000" dirty="0">
+                  <a:solidFill>
+                    <a:schemeClr val="tx1"/>
+                  </a:solidFill>
+                </a:rPr>
+                <a:t>앱 이름</a:t>
+              </a:r>
+            </a:p>
+          </p:txBody>
+        </p:sp>
+        <p:sp>
+          <p:nvSpPr>
+            <p:cNvPr id="49" name="직사각형 48">
+              <a:extLst>
+                <a:ext uri="{FF2B5EF4-FFF2-40B4-BE49-F238E27FC236}">
+                  <a16:creationId xmlns:a16="http://schemas.microsoft.com/office/drawing/2014/main" id="{328E0B13-09E3-4DE4-A8DF-A7028B7D9E74}"/>
+                </a:ext>
+              </a:extLst>
+            </p:cNvPr>
+            <p:cNvSpPr/>
+            <p:nvPr/>
+          </p:nvSpPr>
+          <p:spPr>
+            <a:xfrm>
+              <a:off x="1055331" y="5605439"/>
+              <a:ext cx="1813368" cy="330086"/>
+            </a:xfrm>
+            <a:prstGeom prst="rect">
+              <a:avLst/>
+            </a:prstGeom>
+            <a:solidFill>
+              <a:schemeClr val="bg1"/>
+            </a:solidFill>
+          </p:spPr>
+          <p:style>
+            <a:lnRef idx="2">
+              <a:schemeClr val="accent1">
+                <a:shade val="50000"/>
+              </a:schemeClr>
+            </a:lnRef>
+            <a:fillRef idx="1">
+              <a:schemeClr val="accent1"/>
+            </a:fillRef>
+            <a:effectRef idx="0">
+              <a:schemeClr val="accent1"/>
+            </a:effectRef>
+            <a:fontRef idx="minor">
+              <a:schemeClr val="lt1"/>
+            </a:fontRef>
+          </p:style>
+          <p:txBody>
+            <a:bodyPr rtlCol="0" anchor="ctr"/>
+            <a:lstStyle/>
+            <a:p>
+              <a:pPr algn="ctr"/>
+              <a:r>
+                <a:rPr lang="ko-KR" altLang="en-US" sz="1000" dirty="0">
+                  <a:solidFill>
+                    <a:schemeClr val="tx1"/>
+                  </a:solidFill>
+                </a:rPr>
+                <a:t>버튼</a:t>
+              </a:r>
+            </a:p>
+          </p:txBody>
+        </p:sp>
+      </p:grpSp>
+      <p:sp>
+        <p:nvSpPr>
+          <p:cNvPr id="39" name="직사각형 38">
+            <a:extLst>
+              <a:ext uri="{FF2B5EF4-FFF2-40B4-BE49-F238E27FC236}">
+                <a16:creationId xmlns:a16="http://schemas.microsoft.com/office/drawing/2014/main" id="{B2F86A10-AC24-4AFD-AB91-D1300F2F51A2}"/>
+              </a:ext>
+            </a:extLst>
+          </p:cNvPr>
+          <p:cNvSpPr/>
+          <p:nvPr/>
+        </p:nvSpPr>
+        <p:spPr>
+          <a:xfrm>
+            <a:off x="6214173" y="4395950"/>
+            <a:ext cx="422764" cy="143436"/>
+          </a:xfrm>
+          <a:prstGeom prst="rect">
+            <a:avLst/>
+          </a:prstGeom>
+          <a:solidFill>
+            <a:schemeClr val="bg1"/>
+          </a:solidFill>
+        </p:spPr>
+        <p:style>
+          <a:lnRef idx="2">
+            <a:schemeClr val="accent1">
+              <a:shade val="50000"/>
+            </a:schemeClr>
+          </a:lnRef>
+          <a:fillRef idx="1">
+            <a:schemeClr val="accent1"/>
+          </a:fillRef>
+          <a:effectRef idx="0">
+            <a:schemeClr val="accent1"/>
+          </a:effectRef>
+          <a:fontRef idx="minor">
+            <a:schemeClr val="lt1"/>
+          </a:fontRef>
+        </p:style>
+        <p:txBody>
+          <a:bodyPr rtlCol="0" anchor="ctr"/>
+          <a:lstStyle/>
+          <a:p>
+            <a:pPr algn="ctr"/>
+            <a:r>
+              <a:rPr lang="ko-KR" altLang="en-US" sz="800" dirty="0">
+                <a:solidFill>
+                  <a:schemeClr val="tx1"/>
+                </a:solidFill>
+              </a:rPr>
+              <a:t>수정</a:t>
+            </a:r>
+          </a:p>
+        </p:txBody>
+      </p:sp>
+      <p:sp>
+        <p:nvSpPr>
+          <p:cNvPr id="50" name="직사각형 49">
+            <a:extLst>
+              <a:ext uri="{FF2B5EF4-FFF2-40B4-BE49-F238E27FC236}">
+                <a16:creationId xmlns:a16="http://schemas.microsoft.com/office/drawing/2014/main" id="{17B37B3D-8569-4680-B145-E2F8654186B9}"/>
+              </a:ext>
+            </a:extLst>
+          </p:cNvPr>
+          <p:cNvSpPr/>
+          <p:nvPr/>
+        </p:nvSpPr>
+        <p:spPr>
+          <a:xfrm>
+            <a:off x="4962975" y="5672364"/>
+            <a:ext cx="1696142" cy="261026"/>
+          </a:xfrm>
+          <a:prstGeom prst="rect">
+            <a:avLst/>
+          </a:prstGeom>
+          <a:solidFill>
+            <a:schemeClr val="bg1"/>
+          </a:solidFill>
+        </p:spPr>
+        <p:style>
+          <a:lnRef idx="2">
+            <a:schemeClr val="accent1">
+              <a:shade val="50000"/>
+            </a:schemeClr>
+          </a:lnRef>
+          <a:fillRef idx="1">
+            <a:schemeClr val="accent1"/>
+          </a:fillRef>
+          <a:effectRef idx="0">
+            <a:schemeClr val="accent1"/>
+          </a:effectRef>
+          <a:fontRef idx="minor">
+            <a:schemeClr val="lt1"/>
+          </a:fontRef>
+        </p:style>
+        <p:txBody>
+          <a:bodyPr rtlCol="0" anchor="ctr"/>
+          <a:lstStyle/>
+          <a:p>
+            <a:pPr algn="ctr"/>
+            <a:r>
+              <a:rPr lang="ko-KR" altLang="en-US" sz="1000" dirty="0">
+                <a:solidFill>
+                  <a:schemeClr val="tx1"/>
+                </a:solidFill>
+              </a:rPr>
+              <a:t>저장</a:t>
+            </a:r>
+          </a:p>
+        </p:txBody>
+      </p:sp>
+      <p:sp>
+        <p:nvSpPr>
+          <p:cNvPr id="51" name="TextBox 50">
+            <a:extLst>
+              <a:ext uri="{FF2B5EF4-FFF2-40B4-BE49-F238E27FC236}">
+                <a16:creationId xmlns:a16="http://schemas.microsoft.com/office/drawing/2014/main" id="{0612C045-21F3-48AC-B64D-51BA167800FA}"/>
+              </a:ext>
+            </a:extLst>
+          </p:cNvPr>
+          <p:cNvSpPr txBox="1"/>
+          <p:nvPr/>
+        </p:nvSpPr>
+        <p:spPr>
+          <a:xfrm>
+            <a:off x="1055332" y="2021170"/>
+            <a:ext cx="1183341" cy="246221"/>
+          </a:xfrm>
+          <a:prstGeom prst="rect">
+            <a:avLst/>
+          </a:prstGeom>
+          <a:noFill/>
+        </p:spPr>
+        <p:txBody>
+          <a:bodyPr wrap="square">
+            <a:spAutoFit/>
+          </a:bodyPr>
+          <a:lstStyle/>
+          <a:p>
+            <a:r>
+              <a:rPr kumimoji="1" lang="ko-KR" altLang="en-US" sz="1000" dirty="0"/>
+              <a:t>하단 이미지 참고</a:t>
+            </a:r>
+            <a:endParaRPr kumimoji="1" lang="en-US" altLang="ko-KR" sz="1000" dirty="0"/>
+          </a:p>
+        </p:txBody>
+      </p:sp>
+      <p:sp>
+        <p:nvSpPr>
+          <p:cNvPr id="52" name="TextBox 51">
+            <a:extLst>
+              <a:ext uri="{FF2B5EF4-FFF2-40B4-BE49-F238E27FC236}">
+                <a16:creationId xmlns:a16="http://schemas.microsoft.com/office/drawing/2014/main" id="{EA5A4FA7-6DA1-4069-90A2-099EDFBA4A63}"/>
+              </a:ext>
+            </a:extLst>
+          </p:cNvPr>
+          <p:cNvSpPr txBox="1"/>
+          <p:nvPr/>
+        </p:nvSpPr>
+        <p:spPr>
+          <a:xfrm>
+            <a:off x="4975113" y="2451306"/>
+            <a:ext cx="1183341" cy="246221"/>
+          </a:xfrm>
+          <a:prstGeom prst="rect">
+            <a:avLst/>
+          </a:prstGeom>
+          <a:noFill/>
+        </p:spPr>
+        <p:txBody>
+          <a:bodyPr wrap="square">
+            <a:spAutoFit/>
+          </a:bodyPr>
+          <a:lstStyle/>
+          <a:p>
+            <a:r>
+              <a:rPr kumimoji="1" lang="ko-KR" altLang="en-US" sz="1000" dirty="0"/>
+              <a:t>하단 이미지 참고</a:t>
+            </a:r>
+            <a:endParaRPr kumimoji="1" lang="en-US" altLang="ko-KR" sz="1000" dirty="0"/>
+          </a:p>
+        </p:txBody>
+      </p:sp>
+      <p:cxnSp>
+        <p:nvCxnSpPr>
+          <p:cNvPr id="53" name="직선 화살표 연결선 52">
+            <a:extLst>
+              <a:ext uri="{FF2B5EF4-FFF2-40B4-BE49-F238E27FC236}">
+                <a16:creationId xmlns:a16="http://schemas.microsoft.com/office/drawing/2014/main" id="{EC2F2AC8-35AC-4A65-A7F5-283765DC3F50}"/>
+              </a:ext>
+            </a:extLst>
+          </p:cNvPr>
+          <p:cNvCxnSpPr/>
+          <p:nvPr/>
+        </p:nvCxnSpPr>
+        <p:spPr>
+          <a:xfrm flipV="1">
+            <a:off x="2419898" y="833718"/>
+            <a:ext cx="637735" cy="485336"/>
+          </a:xfrm>
+          <a:prstGeom prst="straightConnector1">
+            <a:avLst/>
+          </a:prstGeom>
+          <a:ln>
+            <a:tailEnd type="triangle"/>
+          </a:ln>
+        </p:spPr>
+        <p:style>
+          <a:lnRef idx="2">
+            <a:schemeClr val="accent1"/>
+          </a:lnRef>
+          <a:fillRef idx="0">
+            <a:schemeClr val="accent1"/>
+          </a:fillRef>
+          <a:effectRef idx="1">
+            <a:schemeClr val="accent1"/>
+          </a:effectRef>
+          <a:fontRef idx="minor">
+            <a:schemeClr val="tx1"/>
+          </a:fontRef>
+        </p:style>
+      </p:cxnSp>
+      <p:sp>
+        <p:nvSpPr>
+          <p:cNvPr id="62" name="직사각형 61">
+            <a:extLst>
+              <a:ext uri="{FF2B5EF4-FFF2-40B4-BE49-F238E27FC236}">
+                <a16:creationId xmlns:a16="http://schemas.microsoft.com/office/drawing/2014/main" id="{EDB7EB72-DD98-479B-9990-018C072C5C52}"/>
+              </a:ext>
+            </a:extLst>
+          </p:cNvPr>
+          <p:cNvSpPr/>
+          <p:nvPr/>
+        </p:nvSpPr>
+        <p:spPr>
+          <a:xfrm>
+            <a:off x="3066013" y="463474"/>
+            <a:ext cx="1364566" cy="562706"/>
+          </a:xfrm>
+          <a:prstGeom prst="rect">
+            <a:avLst/>
+          </a:prstGeom>
+          <a:noFill/>
+        </p:spPr>
+        <p:style>
+          <a:lnRef idx="2">
+            <a:schemeClr val="accent1">
+              <a:shade val="15000"/>
+            </a:schemeClr>
+          </a:lnRef>
+          <a:fillRef idx="1">
+            <a:schemeClr val="accent1"/>
+          </a:fillRef>
+          <a:effectRef idx="0">
+            <a:schemeClr val="accent1"/>
+          </a:effectRef>
+          <a:fontRef idx="minor">
+            <a:schemeClr val="lt1"/>
+          </a:fontRef>
+        </p:style>
+        <p:txBody>
+          <a:bodyPr rtlCol="0" anchor="ctr"/>
+          <a:lstStyle/>
+          <a:p>
+            <a:pPr algn="ctr"/>
+            <a:r>
+              <a:rPr kumimoji="1" lang="ko-KR" altLang="en-US" sz="1200" dirty="0">
+                <a:solidFill>
+                  <a:schemeClr val="tx1"/>
+                </a:solidFill>
+              </a:rPr>
+              <a:t>최근추가한 명함</a:t>
+            </a:r>
+            <a:r>
+              <a:rPr kumimoji="1" lang="en-US" altLang="ko-KR" sz="1200" dirty="0">
+                <a:solidFill>
+                  <a:schemeClr val="tx1"/>
+                </a:solidFill>
+              </a:rPr>
+              <a:t>, </a:t>
+            </a:r>
+            <a:r>
+              <a:rPr kumimoji="1" lang="ko-KR" altLang="en-US" sz="1200" dirty="0">
+                <a:solidFill>
+                  <a:schemeClr val="tx1"/>
+                </a:solidFill>
+              </a:rPr>
+              <a:t>일정 이동 클릭</a:t>
+            </a:r>
+          </a:p>
+        </p:txBody>
+      </p:sp>
+      <p:cxnSp>
+        <p:nvCxnSpPr>
+          <p:cNvPr id="63" name="직선 화살표 연결선 62">
+            <a:extLst>
+              <a:ext uri="{FF2B5EF4-FFF2-40B4-BE49-F238E27FC236}">
+                <a16:creationId xmlns:a16="http://schemas.microsoft.com/office/drawing/2014/main" id="{889A7AE8-65BC-496B-A334-E13806A0AC98}"/>
+              </a:ext>
+            </a:extLst>
+          </p:cNvPr>
+          <p:cNvCxnSpPr>
+            <a:cxnSpLocks/>
+          </p:cNvCxnSpPr>
+          <p:nvPr/>
+        </p:nvCxnSpPr>
+        <p:spPr>
+          <a:xfrm>
+            <a:off x="4422199" y="744827"/>
+            <a:ext cx="637735" cy="0"/>
+          </a:xfrm>
+          <a:prstGeom prst="straightConnector1">
+            <a:avLst/>
+          </a:prstGeom>
+          <a:ln>
+            <a:tailEnd type="triangle"/>
+          </a:ln>
+        </p:spPr>
+        <p:style>
+          <a:lnRef idx="2">
+            <a:schemeClr val="accent1"/>
+          </a:lnRef>
+          <a:fillRef idx="0">
+            <a:schemeClr val="accent1"/>
+          </a:fillRef>
+          <a:effectRef idx="1">
+            <a:schemeClr val="accent1"/>
+          </a:effectRef>
+          <a:fontRef idx="minor">
+            <a:schemeClr val="tx1"/>
+          </a:fontRef>
+        </p:style>
+      </p:cxnSp>
+      <p:sp>
+        <p:nvSpPr>
+          <p:cNvPr id="64" name="직사각형 63">
+            <a:extLst>
+              <a:ext uri="{FF2B5EF4-FFF2-40B4-BE49-F238E27FC236}">
+                <a16:creationId xmlns:a16="http://schemas.microsoft.com/office/drawing/2014/main" id="{4CB80887-6852-496D-A5D5-8548BC9B8610}"/>
+              </a:ext>
+            </a:extLst>
+          </p:cNvPr>
+          <p:cNvSpPr/>
+          <p:nvPr/>
+        </p:nvSpPr>
+        <p:spPr>
+          <a:xfrm>
+            <a:off x="5051554" y="461146"/>
+            <a:ext cx="1364566" cy="562706"/>
+          </a:xfrm>
+          <a:prstGeom prst="rect">
+            <a:avLst/>
+          </a:prstGeom>
+          <a:noFill/>
+        </p:spPr>
+        <p:style>
+          <a:lnRef idx="2">
+            <a:schemeClr val="accent1">
+              <a:shade val="15000"/>
+            </a:schemeClr>
+          </a:lnRef>
+          <a:fillRef idx="1">
+            <a:schemeClr val="accent1"/>
+          </a:fillRef>
+          <a:effectRef idx="0">
+            <a:schemeClr val="accent1"/>
+          </a:effectRef>
+          <a:fontRef idx="minor">
+            <a:schemeClr val="lt1"/>
+          </a:fontRef>
+        </p:style>
+        <p:txBody>
+          <a:bodyPr rtlCol="0" anchor="ctr"/>
+          <a:lstStyle/>
+          <a:p>
+            <a:pPr algn="ctr"/>
+            <a:r>
+              <a:rPr kumimoji="1" lang="ko-KR" altLang="en-US" sz="1200" dirty="0">
+                <a:solidFill>
+                  <a:schemeClr val="tx1"/>
+                </a:solidFill>
+              </a:rPr>
+              <a:t>각 명함 목록과 일정으로 이동</a:t>
+            </a:r>
+          </a:p>
+        </p:txBody>
+      </p:sp>
+    </p:spTree>
+    <p:extLst>
+      <p:ext uri="{BB962C8B-B14F-4D97-AF65-F5344CB8AC3E}">
+        <p14:creationId xmlns:p14="http://schemas.microsoft.com/office/powerpoint/2010/main" val="2924898699"/>
+      </p:ext>
+    </p:extLst>
+  </p:cSld>
+  <p:clrMapOvr>
+    <a:masterClrMapping/>
+  </p:clrMapOvr>
+</p:sld>
+</file>
+
+<file path=ppt/slides/slide3.xml><?xml version="1.0" encoding="utf-8"?>
+<p:sld xmlns:a="http://schemas.openxmlformats.org/drawingml/2006/main" xmlns:r="http://schemas.openxmlformats.org/officeDocument/2006/relationships" xmlns:p="http://schemas.openxmlformats.org/presentationml/2006/main">
+  <p:cSld>
+    <p:spTree>
+      <p:nvGrpSpPr>
+        <p:cNvPr id="1" name="">
+          <a:extLst>
+            <a:ext uri="{FF2B5EF4-FFF2-40B4-BE49-F238E27FC236}">
+              <a16:creationId xmlns:a16="http://schemas.microsoft.com/office/drawing/2014/main" id="{D56399A7-6021-A95D-CFDF-31D9EB823E82}"/>
+            </a:ext>
+          </a:extLst>
+        </p:cNvPr>
+        <p:cNvGrpSpPr/>
+        <p:nvPr/>
+      </p:nvGrpSpPr>
+      <p:grpSpPr>
+        <a:xfrm>
+          <a:off x="0" y="0"/>
+          <a:ext cx="0" cy="0"/>
+          <a:chOff x="0" y="0"/>
+          <a:chExt cx="0" cy="0"/>
+        </a:xfrm>
+      </p:grpSpPr>
+      <p:grpSp>
+        <p:nvGrpSpPr>
+          <p:cNvPr id="29" name="그룹 28">
+            <a:extLst>
+              <a:ext uri="{FF2B5EF4-FFF2-40B4-BE49-F238E27FC236}">
+                <a16:creationId xmlns:a16="http://schemas.microsoft.com/office/drawing/2014/main" id="{E1229E38-9BCF-46E3-B9C8-86152BBD1558}"/>
+              </a:ext>
+            </a:extLst>
+          </p:cNvPr>
+          <p:cNvGrpSpPr/>
+          <p:nvPr/>
+        </p:nvGrpSpPr>
+        <p:grpSpPr>
+          <a:xfrm>
+            <a:off x="1055332" y="1319054"/>
             <a:ext cx="7371469" cy="4430323"/>
             <a:chOff x="2251086" y="1617993"/>
             <a:chExt cx="7371469" cy="4430323"/>
@@ -5821,6 +8402,807 @@
 </p:sld>
 </file>
 
+<file path=ppt/slides/slide4.xml><?xml version="1.0" encoding="utf-8"?>
+<p:sld xmlns:a="http://schemas.openxmlformats.org/drawingml/2006/main" xmlns:r="http://schemas.openxmlformats.org/officeDocument/2006/relationships" xmlns:p="http://schemas.openxmlformats.org/presentationml/2006/main">
+  <p:cSld>
+    <p:spTree>
+      <p:nvGrpSpPr>
+        <p:cNvPr id="1" name="">
+          <a:extLst>
+            <a:ext uri="{FF2B5EF4-FFF2-40B4-BE49-F238E27FC236}">
+              <a16:creationId xmlns:a16="http://schemas.microsoft.com/office/drawing/2014/main" id="{D56399A7-6021-A95D-CFDF-31D9EB823E82}"/>
+            </a:ext>
+          </a:extLst>
+        </p:cNvPr>
+        <p:cNvGrpSpPr/>
+        <p:nvPr/>
+      </p:nvGrpSpPr>
+      <p:grpSpPr>
+        <a:xfrm>
+          <a:off x="0" y="0"/>
+          <a:ext cx="0" cy="0"/>
+          <a:chOff x="0" y="0"/>
+          <a:chExt cx="0" cy="0"/>
+        </a:xfrm>
+      </p:grpSpPr>
+      <p:grpSp>
+        <p:nvGrpSpPr>
+          <p:cNvPr id="29" name="그룹 28">
+            <a:extLst>
+              <a:ext uri="{FF2B5EF4-FFF2-40B4-BE49-F238E27FC236}">
+                <a16:creationId xmlns:a16="http://schemas.microsoft.com/office/drawing/2014/main" id="{E1229E38-9BCF-46E3-B9C8-86152BBD1558}"/>
+              </a:ext>
+            </a:extLst>
+          </p:cNvPr>
+          <p:cNvGrpSpPr/>
+          <p:nvPr/>
+        </p:nvGrpSpPr>
+        <p:grpSpPr>
+          <a:xfrm>
+            <a:off x="1055332" y="1319054"/>
+            <a:ext cx="3366867" cy="1003678"/>
+            <a:chOff x="2251086" y="1617993"/>
+            <a:chExt cx="3366867" cy="1003678"/>
+          </a:xfrm>
+        </p:grpSpPr>
+        <p:sp>
+          <p:nvSpPr>
+            <p:cNvPr id="4" name="직사각형 3">
+              <a:extLst>
+                <a:ext uri="{FF2B5EF4-FFF2-40B4-BE49-F238E27FC236}">
+                  <a16:creationId xmlns:a16="http://schemas.microsoft.com/office/drawing/2014/main" id="{DEDE2F57-9D36-0E6A-BCA9-C799A3DFE3EF}"/>
+                </a:ext>
+              </a:extLst>
+            </p:cNvPr>
+            <p:cNvSpPr/>
+            <p:nvPr/>
+          </p:nvSpPr>
+          <p:spPr>
+            <a:xfrm>
+              <a:off x="2251086" y="1617993"/>
+              <a:ext cx="1364566" cy="562706"/>
+            </a:xfrm>
+            <a:prstGeom prst="rect">
+              <a:avLst/>
+            </a:prstGeom>
+            <a:noFill/>
+          </p:spPr>
+          <p:style>
+            <a:lnRef idx="2">
+              <a:schemeClr val="accent1">
+                <a:shade val="15000"/>
+              </a:schemeClr>
+            </a:lnRef>
+            <a:fillRef idx="1">
+              <a:schemeClr val="accent1"/>
+            </a:fillRef>
+            <a:effectRef idx="0">
+              <a:schemeClr val="accent1"/>
+            </a:effectRef>
+            <a:fontRef idx="minor">
+              <a:schemeClr val="lt1"/>
+            </a:fontRef>
+          </p:style>
+          <p:txBody>
+            <a:bodyPr rtlCol="0" anchor="ctr"/>
+            <a:lstStyle/>
+            <a:p>
+              <a:pPr algn="ctr"/>
+              <a:r>
+                <a:rPr kumimoji="1" lang="ko-KR" altLang="en-US" sz="1200" dirty="0">
+                  <a:solidFill>
+                    <a:schemeClr val="tx1"/>
+                  </a:solidFill>
+                </a:rPr>
+                <a:t>명함 목록</a:t>
+              </a:r>
+              <a:endParaRPr kumimoji="1" lang="en-US" altLang="ko-KR" sz="1200" dirty="0">
+                <a:solidFill>
+                  <a:schemeClr val="tx1"/>
+                </a:solidFill>
+              </a:endParaRPr>
+            </a:p>
+            <a:p>
+              <a:pPr algn="ctr"/>
+              <a:r>
+                <a:rPr kumimoji="1" lang="ko-KR" altLang="en-US" sz="1200" dirty="0">
+                  <a:solidFill>
+                    <a:schemeClr val="tx1"/>
+                  </a:solidFill>
+                </a:rPr>
+                <a:t>탭 클릭</a:t>
+              </a:r>
+            </a:p>
+          </p:txBody>
+        </p:sp>
+        <p:sp>
+          <p:nvSpPr>
+            <p:cNvPr id="6" name="직사각형 5">
+              <a:extLst>
+                <a:ext uri="{FF2B5EF4-FFF2-40B4-BE49-F238E27FC236}">
+                  <a16:creationId xmlns:a16="http://schemas.microsoft.com/office/drawing/2014/main" id="{0AC9D8D7-996C-C9C9-9437-5EC54E257FAD}"/>
+                </a:ext>
+              </a:extLst>
+            </p:cNvPr>
+            <p:cNvSpPr/>
+            <p:nvPr/>
+          </p:nvSpPr>
+          <p:spPr>
+            <a:xfrm>
+              <a:off x="4253387" y="1617993"/>
+              <a:ext cx="1364566" cy="562706"/>
+            </a:xfrm>
+            <a:prstGeom prst="rect">
+              <a:avLst/>
+            </a:prstGeom>
+            <a:noFill/>
+          </p:spPr>
+          <p:style>
+            <a:lnRef idx="2">
+              <a:schemeClr val="accent1">
+                <a:shade val="15000"/>
+              </a:schemeClr>
+            </a:lnRef>
+            <a:fillRef idx="1">
+              <a:schemeClr val="accent1"/>
+            </a:fillRef>
+            <a:effectRef idx="0">
+              <a:schemeClr val="accent1"/>
+            </a:effectRef>
+            <a:fontRef idx="minor">
+              <a:schemeClr val="lt1"/>
+            </a:fontRef>
+          </p:style>
+          <p:txBody>
+            <a:bodyPr rtlCol="0" anchor="ctr"/>
+            <a:lstStyle/>
+            <a:p>
+              <a:pPr algn="ctr"/>
+              <a:r>
+                <a:rPr kumimoji="1" lang="ko-KR" altLang="en-US" sz="1200" dirty="0">
+                  <a:solidFill>
+                    <a:schemeClr val="tx1"/>
+                  </a:solidFill>
+                </a:rPr>
+                <a:t>일반 클릭</a:t>
+              </a:r>
+            </a:p>
+          </p:txBody>
+        </p:sp>
+        <p:cxnSp>
+          <p:nvCxnSpPr>
+            <p:cNvPr id="15" name="직선 화살표 연결선 14">
+              <a:extLst>
+                <a:ext uri="{FF2B5EF4-FFF2-40B4-BE49-F238E27FC236}">
+                  <a16:creationId xmlns:a16="http://schemas.microsoft.com/office/drawing/2014/main" id="{73219A3B-85E5-970E-703C-58647CE29682}"/>
+                </a:ext>
+              </a:extLst>
+            </p:cNvPr>
+            <p:cNvCxnSpPr>
+              <a:stCxn id="4" idx="3"/>
+              <a:endCxn id="6" idx="1"/>
+            </p:cNvCxnSpPr>
+            <p:nvPr/>
+          </p:nvCxnSpPr>
+          <p:spPr>
+            <a:xfrm>
+              <a:off x="3615652" y="1899346"/>
+              <a:ext cx="637735" cy="0"/>
+            </a:xfrm>
+            <a:prstGeom prst="straightConnector1">
+              <a:avLst/>
+            </a:prstGeom>
+            <a:ln>
+              <a:tailEnd type="triangle"/>
+            </a:ln>
+          </p:spPr>
+          <p:style>
+            <a:lnRef idx="2">
+              <a:schemeClr val="accent1"/>
+            </a:lnRef>
+            <a:fillRef idx="0">
+              <a:schemeClr val="accent1"/>
+            </a:fillRef>
+            <a:effectRef idx="1">
+              <a:schemeClr val="accent1"/>
+            </a:effectRef>
+            <a:fontRef idx="minor">
+              <a:schemeClr val="tx1"/>
+            </a:fontRef>
+          </p:style>
+        </p:cxnSp>
+        <p:sp>
+          <p:nvSpPr>
+            <p:cNvPr id="20" name="TextBox 19">
+              <a:extLst>
+                <a:ext uri="{FF2B5EF4-FFF2-40B4-BE49-F238E27FC236}">
+                  <a16:creationId xmlns:a16="http://schemas.microsoft.com/office/drawing/2014/main" id="{8233EFC8-0A2B-D8D3-2582-1CD7334C401F}"/>
+                </a:ext>
+              </a:extLst>
+            </p:cNvPr>
+            <p:cNvSpPr txBox="1"/>
+            <p:nvPr/>
+          </p:nvSpPr>
+          <p:spPr>
+            <a:xfrm>
+              <a:off x="4250596" y="2221561"/>
+              <a:ext cx="1364566" cy="400110"/>
+            </a:xfrm>
+            <a:prstGeom prst="rect">
+              <a:avLst/>
+            </a:prstGeom>
+            <a:noFill/>
+          </p:spPr>
+          <p:txBody>
+            <a:bodyPr wrap="square" rtlCol="0">
+              <a:spAutoFit/>
+            </a:bodyPr>
+            <a:lstStyle/>
+            <a:p>
+              <a:endParaRPr kumimoji="1" lang="en-US" altLang="ko-KR" sz="1000" dirty="0"/>
+            </a:p>
+            <a:p>
+              <a:r>
+                <a:rPr kumimoji="1" lang="ko-KR" altLang="en-US" sz="1000" dirty="0"/>
+                <a:t>하단 이미지 참고</a:t>
+              </a:r>
+              <a:endParaRPr kumimoji="1" lang="en-US" altLang="ko-KR" sz="1000" dirty="0"/>
+            </a:p>
+          </p:txBody>
+        </p:sp>
+      </p:grpSp>
+      <p:sp>
+        <p:nvSpPr>
+          <p:cNvPr id="5" name="직사각형 4">
+            <a:extLst>
+              <a:ext uri="{FF2B5EF4-FFF2-40B4-BE49-F238E27FC236}">
+                <a16:creationId xmlns:a16="http://schemas.microsoft.com/office/drawing/2014/main" id="{12C20B00-B4EA-4536-911D-8276FCDD01AA}"/>
+              </a:ext>
+            </a:extLst>
+          </p:cNvPr>
+          <p:cNvSpPr/>
+          <p:nvPr/>
+        </p:nvSpPr>
+        <p:spPr>
+          <a:xfrm>
+            <a:off x="977153" y="2429435"/>
+            <a:ext cx="1637999" cy="3460377"/>
+          </a:xfrm>
+          <a:prstGeom prst="rect">
+            <a:avLst/>
+          </a:prstGeom>
+          <a:solidFill>
+            <a:schemeClr val="bg1"/>
+          </a:solidFill>
+        </p:spPr>
+        <p:style>
+          <a:lnRef idx="2">
+            <a:schemeClr val="accent1">
+              <a:shade val="50000"/>
+            </a:schemeClr>
+          </a:lnRef>
+          <a:fillRef idx="1">
+            <a:schemeClr val="accent1"/>
+          </a:fillRef>
+          <a:effectRef idx="0">
+            <a:schemeClr val="accent1"/>
+          </a:effectRef>
+          <a:fontRef idx="minor">
+            <a:schemeClr val="lt1"/>
+          </a:fontRef>
+        </p:style>
+        <p:txBody>
+          <a:bodyPr rtlCol="0" anchor="ctr"/>
+          <a:lstStyle/>
+          <a:p>
+            <a:pPr algn="ctr"/>
+            <a:endParaRPr lang="ko-KR" altLang="en-US"/>
+          </a:p>
+        </p:txBody>
+      </p:sp>
+      <p:sp>
+        <p:nvSpPr>
+          <p:cNvPr id="7" name="직사각형 6">
+            <a:extLst>
+              <a:ext uri="{FF2B5EF4-FFF2-40B4-BE49-F238E27FC236}">
+                <a16:creationId xmlns:a16="http://schemas.microsoft.com/office/drawing/2014/main" id="{FED434AB-FCAD-4666-800E-C94DB42BF42D}"/>
+              </a:ext>
+            </a:extLst>
+          </p:cNvPr>
+          <p:cNvSpPr/>
+          <p:nvPr/>
+        </p:nvSpPr>
+        <p:spPr>
+          <a:xfrm>
+            <a:off x="975694" y="2710787"/>
+            <a:ext cx="1637999" cy="322214"/>
+          </a:xfrm>
+          <a:prstGeom prst="rect">
+            <a:avLst/>
+          </a:prstGeom>
+          <a:solidFill>
+            <a:schemeClr val="bg1"/>
+          </a:solidFill>
+        </p:spPr>
+        <p:style>
+          <a:lnRef idx="2">
+            <a:schemeClr val="accent1">
+              <a:shade val="50000"/>
+            </a:schemeClr>
+          </a:lnRef>
+          <a:fillRef idx="1">
+            <a:schemeClr val="accent1"/>
+          </a:fillRef>
+          <a:effectRef idx="0">
+            <a:schemeClr val="accent1"/>
+          </a:effectRef>
+          <a:fontRef idx="minor">
+            <a:schemeClr val="lt1"/>
+          </a:fontRef>
+        </p:style>
+        <p:txBody>
+          <a:bodyPr rtlCol="0" anchor="ctr"/>
+          <a:lstStyle/>
+          <a:p>
+            <a:r>
+              <a:rPr lang="en-US" altLang="ko-KR" sz="1000" dirty="0">
+                <a:solidFill>
+                  <a:schemeClr val="tx1"/>
+                </a:solidFill>
+              </a:rPr>
+              <a:t>- </a:t>
+            </a:r>
+            <a:r>
+              <a:rPr lang="ko-KR" altLang="en-US" sz="1000" dirty="0">
+                <a:solidFill>
+                  <a:schemeClr val="tx1"/>
+                </a:solidFill>
+              </a:rPr>
+              <a:t>알림</a:t>
+            </a:r>
+          </a:p>
+        </p:txBody>
+      </p:sp>
+      <p:sp>
+        <p:nvSpPr>
+          <p:cNvPr id="19" name="직사각형 18">
+            <a:extLst>
+              <a:ext uri="{FF2B5EF4-FFF2-40B4-BE49-F238E27FC236}">
+                <a16:creationId xmlns:a16="http://schemas.microsoft.com/office/drawing/2014/main" id="{536DA9E9-168B-40B9-9A61-38FED8729870}"/>
+              </a:ext>
+            </a:extLst>
+          </p:cNvPr>
+          <p:cNvSpPr/>
+          <p:nvPr/>
+        </p:nvSpPr>
+        <p:spPr>
+          <a:xfrm>
+            <a:off x="975694" y="3033001"/>
+            <a:ext cx="1637999" cy="322214"/>
+          </a:xfrm>
+          <a:prstGeom prst="rect">
+            <a:avLst/>
+          </a:prstGeom>
+          <a:solidFill>
+            <a:schemeClr val="bg1"/>
+          </a:solidFill>
+        </p:spPr>
+        <p:style>
+          <a:lnRef idx="2">
+            <a:schemeClr val="accent1">
+              <a:shade val="50000"/>
+            </a:schemeClr>
+          </a:lnRef>
+          <a:fillRef idx="1">
+            <a:schemeClr val="accent1"/>
+          </a:fillRef>
+          <a:effectRef idx="0">
+            <a:schemeClr val="accent1"/>
+          </a:effectRef>
+          <a:fontRef idx="minor">
+            <a:schemeClr val="lt1"/>
+          </a:fontRef>
+        </p:style>
+        <p:txBody>
+          <a:bodyPr rtlCol="0" anchor="ctr"/>
+          <a:lstStyle/>
+          <a:p>
+            <a:r>
+              <a:rPr lang="en-US" altLang="ko-KR" sz="1000" dirty="0">
+                <a:solidFill>
+                  <a:schemeClr val="tx1"/>
+                </a:solidFill>
+              </a:rPr>
+              <a:t>- </a:t>
+            </a:r>
+            <a:r>
+              <a:rPr lang="ko-KR" altLang="en-US" sz="1000" dirty="0">
+                <a:solidFill>
+                  <a:schemeClr val="tx1"/>
+                </a:solidFill>
+              </a:rPr>
+              <a:t>일반</a:t>
+            </a:r>
+          </a:p>
+        </p:txBody>
+      </p:sp>
+      <p:sp>
+        <p:nvSpPr>
+          <p:cNvPr id="21" name="직사각형 20">
+            <a:extLst>
+              <a:ext uri="{FF2B5EF4-FFF2-40B4-BE49-F238E27FC236}">
+                <a16:creationId xmlns:a16="http://schemas.microsoft.com/office/drawing/2014/main" id="{842451AD-68BC-42E2-AB93-A0C74DC49DDD}"/>
+              </a:ext>
+            </a:extLst>
+          </p:cNvPr>
+          <p:cNvSpPr/>
+          <p:nvPr/>
+        </p:nvSpPr>
+        <p:spPr>
+          <a:xfrm>
+            <a:off x="975694" y="3355215"/>
+            <a:ext cx="1637999" cy="322214"/>
+          </a:xfrm>
+          <a:prstGeom prst="rect">
+            <a:avLst/>
+          </a:prstGeom>
+          <a:solidFill>
+            <a:schemeClr val="bg1"/>
+          </a:solidFill>
+        </p:spPr>
+        <p:style>
+          <a:lnRef idx="2">
+            <a:schemeClr val="accent1">
+              <a:shade val="50000"/>
+            </a:schemeClr>
+          </a:lnRef>
+          <a:fillRef idx="1">
+            <a:schemeClr val="accent1"/>
+          </a:fillRef>
+          <a:effectRef idx="0">
+            <a:schemeClr val="accent1"/>
+          </a:effectRef>
+          <a:fontRef idx="minor">
+            <a:schemeClr val="lt1"/>
+          </a:fontRef>
+        </p:style>
+        <p:txBody>
+          <a:bodyPr rtlCol="0" anchor="ctr"/>
+          <a:lstStyle/>
+          <a:p>
+            <a:r>
+              <a:rPr lang="en-US" altLang="ko-KR" sz="1000" dirty="0">
+                <a:solidFill>
+                  <a:schemeClr val="tx1"/>
+                </a:solidFill>
+              </a:rPr>
+              <a:t>- </a:t>
+            </a:r>
+            <a:r>
+              <a:rPr lang="ko-KR" altLang="en-US" sz="1000" dirty="0">
+                <a:solidFill>
+                  <a:schemeClr val="tx1"/>
+                </a:solidFill>
+              </a:rPr>
+              <a:t>이용안내</a:t>
+            </a:r>
+          </a:p>
+        </p:txBody>
+      </p:sp>
+      <p:sp>
+        <p:nvSpPr>
+          <p:cNvPr id="24" name="직사각형 23">
+            <a:extLst>
+              <a:ext uri="{FF2B5EF4-FFF2-40B4-BE49-F238E27FC236}">
+                <a16:creationId xmlns:a16="http://schemas.microsoft.com/office/drawing/2014/main" id="{A381C449-AD1E-4808-9194-723D41391725}"/>
+              </a:ext>
+            </a:extLst>
+          </p:cNvPr>
+          <p:cNvSpPr/>
+          <p:nvPr/>
+        </p:nvSpPr>
+        <p:spPr>
+          <a:xfrm>
+            <a:off x="975694" y="3677429"/>
+            <a:ext cx="1637999" cy="322214"/>
+          </a:xfrm>
+          <a:prstGeom prst="rect">
+            <a:avLst/>
+          </a:prstGeom>
+          <a:solidFill>
+            <a:schemeClr val="bg1"/>
+          </a:solidFill>
+        </p:spPr>
+        <p:style>
+          <a:lnRef idx="2">
+            <a:schemeClr val="accent1">
+              <a:shade val="50000"/>
+            </a:schemeClr>
+          </a:lnRef>
+          <a:fillRef idx="1">
+            <a:schemeClr val="accent1"/>
+          </a:fillRef>
+          <a:effectRef idx="0">
+            <a:schemeClr val="accent1"/>
+          </a:effectRef>
+          <a:fontRef idx="minor">
+            <a:schemeClr val="lt1"/>
+          </a:fontRef>
+        </p:style>
+        <p:txBody>
+          <a:bodyPr rtlCol="0" anchor="ctr"/>
+          <a:lstStyle/>
+          <a:p>
+            <a:r>
+              <a:rPr lang="en-US" altLang="ko-KR" sz="1000" dirty="0">
+                <a:solidFill>
+                  <a:schemeClr val="tx1"/>
+                </a:solidFill>
+              </a:rPr>
+              <a:t>- </a:t>
+            </a:r>
+            <a:r>
+              <a:rPr lang="ko-KR" altLang="en-US" sz="1000" dirty="0">
+                <a:solidFill>
+                  <a:schemeClr val="tx1"/>
+                </a:solidFill>
+              </a:rPr>
+              <a:t>버전</a:t>
+            </a:r>
+          </a:p>
+        </p:txBody>
+      </p:sp>
+      <p:sp>
+        <p:nvSpPr>
+          <p:cNvPr id="27" name="직사각형 26">
+            <a:extLst>
+              <a:ext uri="{FF2B5EF4-FFF2-40B4-BE49-F238E27FC236}">
+                <a16:creationId xmlns:a16="http://schemas.microsoft.com/office/drawing/2014/main" id="{93056B52-C0E5-41D3-9089-A13FB1CF2101}"/>
+              </a:ext>
+            </a:extLst>
+          </p:cNvPr>
+          <p:cNvSpPr/>
+          <p:nvPr/>
+        </p:nvSpPr>
+        <p:spPr>
+          <a:xfrm>
+            <a:off x="3053383" y="2429434"/>
+            <a:ext cx="1637999" cy="3460377"/>
+          </a:xfrm>
+          <a:prstGeom prst="rect">
+            <a:avLst/>
+          </a:prstGeom>
+          <a:solidFill>
+            <a:schemeClr val="bg1"/>
+          </a:solidFill>
+        </p:spPr>
+        <p:style>
+          <a:lnRef idx="2">
+            <a:schemeClr val="accent1">
+              <a:shade val="50000"/>
+            </a:schemeClr>
+          </a:lnRef>
+          <a:fillRef idx="1">
+            <a:schemeClr val="accent1"/>
+          </a:fillRef>
+          <a:effectRef idx="0">
+            <a:schemeClr val="accent1"/>
+          </a:effectRef>
+          <a:fontRef idx="minor">
+            <a:schemeClr val="lt1"/>
+          </a:fontRef>
+        </p:style>
+        <p:txBody>
+          <a:bodyPr rtlCol="0" anchor="ctr"/>
+          <a:lstStyle/>
+          <a:p>
+            <a:pPr algn="ctr"/>
+            <a:endParaRPr lang="ko-KR" altLang="en-US"/>
+          </a:p>
+        </p:txBody>
+      </p:sp>
+      <p:sp>
+        <p:nvSpPr>
+          <p:cNvPr id="30" name="직사각형 29">
+            <a:extLst>
+              <a:ext uri="{FF2B5EF4-FFF2-40B4-BE49-F238E27FC236}">
+                <a16:creationId xmlns:a16="http://schemas.microsoft.com/office/drawing/2014/main" id="{8388B651-8334-4894-A016-5BCDF8621F4A}"/>
+              </a:ext>
+            </a:extLst>
+          </p:cNvPr>
+          <p:cNvSpPr/>
+          <p:nvPr/>
+        </p:nvSpPr>
+        <p:spPr>
+          <a:xfrm>
+            <a:off x="3054842" y="2985524"/>
+            <a:ext cx="1637999" cy="322214"/>
+          </a:xfrm>
+          <a:prstGeom prst="rect">
+            <a:avLst/>
+          </a:prstGeom>
+          <a:solidFill>
+            <a:schemeClr val="bg1"/>
+          </a:solidFill>
+        </p:spPr>
+        <p:style>
+          <a:lnRef idx="2">
+            <a:schemeClr val="accent1">
+              <a:shade val="50000"/>
+            </a:schemeClr>
+          </a:lnRef>
+          <a:fillRef idx="1">
+            <a:schemeClr val="accent1"/>
+          </a:fillRef>
+          <a:effectRef idx="0">
+            <a:schemeClr val="accent1"/>
+          </a:effectRef>
+          <a:fontRef idx="minor">
+            <a:schemeClr val="lt1"/>
+          </a:fontRef>
+        </p:style>
+        <p:txBody>
+          <a:bodyPr rtlCol="0" anchor="ctr"/>
+          <a:lstStyle/>
+          <a:p>
+            <a:r>
+              <a:rPr lang="en-US" altLang="ko-KR" sz="1000" dirty="0">
+                <a:solidFill>
+                  <a:schemeClr val="tx1"/>
+                </a:solidFill>
+              </a:rPr>
+              <a:t>- </a:t>
+            </a:r>
+            <a:r>
+              <a:rPr lang="ko-KR" altLang="en-US" sz="1000" dirty="0">
+                <a:solidFill>
+                  <a:schemeClr val="tx1"/>
+                </a:solidFill>
+              </a:rPr>
+              <a:t>폰트</a:t>
+            </a:r>
+          </a:p>
+        </p:txBody>
+      </p:sp>
+      <p:sp>
+        <p:nvSpPr>
+          <p:cNvPr id="31" name="직사각형 30">
+            <a:extLst>
+              <a:ext uri="{FF2B5EF4-FFF2-40B4-BE49-F238E27FC236}">
+                <a16:creationId xmlns:a16="http://schemas.microsoft.com/office/drawing/2014/main" id="{51C4C8FC-C0DA-4281-B84D-97DF12A539BC}"/>
+              </a:ext>
+            </a:extLst>
+          </p:cNvPr>
+          <p:cNvSpPr/>
+          <p:nvPr/>
+        </p:nvSpPr>
+        <p:spPr>
+          <a:xfrm>
+            <a:off x="3054842" y="3307738"/>
+            <a:ext cx="1637999" cy="322214"/>
+          </a:xfrm>
+          <a:prstGeom prst="rect">
+            <a:avLst/>
+          </a:prstGeom>
+          <a:solidFill>
+            <a:schemeClr val="bg1"/>
+          </a:solidFill>
+        </p:spPr>
+        <p:style>
+          <a:lnRef idx="2">
+            <a:schemeClr val="accent1">
+              <a:shade val="50000"/>
+            </a:schemeClr>
+          </a:lnRef>
+          <a:fillRef idx="1">
+            <a:schemeClr val="accent1"/>
+          </a:fillRef>
+          <a:effectRef idx="0">
+            <a:schemeClr val="accent1"/>
+          </a:effectRef>
+          <a:fontRef idx="minor">
+            <a:schemeClr val="lt1"/>
+          </a:fontRef>
+        </p:style>
+        <p:txBody>
+          <a:bodyPr rtlCol="0" anchor="ctr"/>
+          <a:lstStyle/>
+          <a:p>
+            <a:r>
+              <a:rPr lang="en-US" altLang="ko-KR" sz="1000" dirty="0">
+                <a:solidFill>
+                  <a:schemeClr val="tx1"/>
+                </a:solidFill>
+              </a:rPr>
+              <a:t>- </a:t>
+            </a:r>
+            <a:r>
+              <a:rPr lang="ko-KR" altLang="en-US" sz="1000" dirty="0">
+                <a:solidFill>
+                  <a:schemeClr val="tx1"/>
+                </a:solidFill>
+              </a:rPr>
+              <a:t>색 변환</a:t>
+            </a:r>
+          </a:p>
+        </p:txBody>
+      </p:sp>
+      <p:sp>
+        <p:nvSpPr>
+          <p:cNvPr id="33" name="직사각형 32">
+            <a:extLst>
+              <a:ext uri="{FF2B5EF4-FFF2-40B4-BE49-F238E27FC236}">
+                <a16:creationId xmlns:a16="http://schemas.microsoft.com/office/drawing/2014/main" id="{D7F4D75B-D3FD-4809-A5B8-4FE4DB98C239}"/>
+              </a:ext>
+            </a:extLst>
+          </p:cNvPr>
+          <p:cNvSpPr/>
+          <p:nvPr/>
+        </p:nvSpPr>
+        <p:spPr>
+          <a:xfrm>
+            <a:off x="3054842" y="3629952"/>
+            <a:ext cx="1637999" cy="322214"/>
+          </a:xfrm>
+          <a:prstGeom prst="rect">
+            <a:avLst/>
+          </a:prstGeom>
+          <a:solidFill>
+            <a:schemeClr val="bg1"/>
+          </a:solidFill>
+        </p:spPr>
+        <p:style>
+          <a:lnRef idx="2">
+            <a:schemeClr val="accent1">
+              <a:shade val="50000"/>
+            </a:schemeClr>
+          </a:lnRef>
+          <a:fillRef idx="1">
+            <a:schemeClr val="accent1"/>
+          </a:fillRef>
+          <a:effectRef idx="0">
+            <a:schemeClr val="accent1"/>
+          </a:effectRef>
+          <a:fontRef idx="minor">
+            <a:schemeClr val="lt1"/>
+          </a:fontRef>
+        </p:style>
+        <p:txBody>
+          <a:bodyPr rtlCol="0" anchor="ctr"/>
+          <a:lstStyle/>
+          <a:p>
+            <a:r>
+              <a:rPr lang="en-US" altLang="ko-KR" sz="1000" dirty="0">
+                <a:solidFill>
+                  <a:schemeClr val="tx1"/>
+                </a:solidFill>
+              </a:rPr>
+              <a:t>- </a:t>
+            </a:r>
+            <a:r>
+              <a:rPr lang="ko-KR" altLang="en-US" sz="900" dirty="0">
+                <a:solidFill>
+                  <a:schemeClr val="tx1"/>
+                </a:solidFill>
+              </a:rPr>
+              <a:t>명함 주소록에 자동저장</a:t>
+            </a:r>
+          </a:p>
+        </p:txBody>
+      </p:sp>
+    </p:spTree>
+    <p:extLst>
+      <p:ext uri="{BB962C8B-B14F-4D97-AF65-F5344CB8AC3E}">
+        <p14:creationId xmlns:p14="http://schemas.microsoft.com/office/powerpoint/2010/main" val="3632711042"/>
+      </p:ext>
+    </p:extLst>
+  </p:cSld>
+  <p:clrMapOvr>
+    <a:masterClrMapping/>
+  </p:clrMapOvr>
+</p:sld>
+</file>
+
 <file path=ppt/theme/theme1.xml><?xml version="1.0" encoding="utf-8"?>
 <a:theme xmlns:a="http://schemas.openxmlformats.org/drawingml/2006/main" name="Office 테마">
   <a:themeElements>
@@ -6134,4 +9516,299 @@
     </a:ext>
   </a:extLst>
 </a:theme>
+</file>
+
+<file path=ppt/theme/theme2.xml><?xml version="1.0" encoding="utf-8"?>
+<a:theme xmlns:a="http://schemas.openxmlformats.org/drawingml/2006/main" name="Office 테마">
+  <a:themeElements>
+    <a:clrScheme name="Office">
+      <a:dk1>
+        <a:sysClr val="windowText" lastClr="000000"/>
+      </a:dk1>
+      <a:lt1>
+        <a:sysClr val="window" lastClr="FFFFFF"/>
+      </a:lt1>
+      <a:dk2>
+        <a:srgbClr val="44546A"/>
+      </a:dk2>
+      <a:lt2>
+        <a:srgbClr val="E7E6E6"/>
+      </a:lt2>
+      <a:accent1>
+        <a:srgbClr val="4472C4"/>
+      </a:accent1>
+      <a:accent2>
+        <a:srgbClr val="ED7D31"/>
+      </a:accent2>
+      <a:accent3>
+        <a:srgbClr val="A5A5A5"/>
+      </a:accent3>
+      <a:accent4>
+        <a:srgbClr val="FFC000"/>
+      </a:accent4>
+      <a:accent5>
+        <a:srgbClr val="5B9BD5"/>
+      </a:accent5>
+      <a:accent6>
+        <a:srgbClr val="70AD47"/>
+      </a:accent6>
+      <a:hlink>
+        <a:srgbClr val="0563C1"/>
+      </a:hlink>
+      <a:folHlink>
+        <a:srgbClr val="954F72"/>
+      </a:folHlink>
+    </a:clrScheme>
+    <a:fontScheme name="Office">
+      <a:majorFont>
+        <a:latin typeface="맑은 고딕" panose="020F0302020204030204"/>
+        <a:ea typeface=""/>
+        <a:cs typeface=""/>
+        <a:font script="Jpan" typeface="游ゴシック Light"/>
+        <a:font script="Hang" typeface="맑은 고딕"/>
+        <a:font script="Hans" typeface="等线 Light"/>
+        <a:font script="Hant" typeface="新細明體"/>
+        <a:font script="Arab" typeface="Times New Roman"/>
+        <a:font script="Hebr" typeface="Times New Roman"/>
+        <a:font script="Thai" typeface="Angsana New"/>
+        <a:font script="Ethi" typeface="Nyala"/>
+        <a:font script="Beng" typeface="Vrinda"/>
+        <a:font script="Gujr" typeface="Shruti"/>
+        <a:font script="Khmr" typeface="MoolBoran"/>
+        <a:font script="Knda" typeface="Tunga"/>
+        <a:font script="Guru" typeface="Raavi"/>
+        <a:font script="Cans" typeface="Euphemia"/>
+        <a:font script="Cher" typeface="Plantagenet Cherokee"/>
+        <a:font script="Yiii" typeface="Microsoft Yi Baiti"/>
+        <a:font script="Tibt" typeface="Microsoft Himalaya"/>
+        <a:font script="Thaa" typeface="MV Boli"/>
+        <a:font script="Deva" typeface="Mangal"/>
+        <a:font script="Telu" typeface="Gautami"/>
+        <a:font script="Taml" typeface="Latha"/>
+        <a:font script="Syrc" typeface="Estrangelo Edessa"/>
+        <a:font script="Orya" typeface="Kalinga"/>
+        <a:font script="Mlym" typeface="Kartika"/>
+        <a:font script="Laoo" typeface="DokChampa"/>
+        <a:font script="Sinh" typeface="Iskoola Pota"/>
+        <a:font script="Mong" typeface="Mongolian Baiti"/>
+        <a:font script="Viet" typeface="Times New Roman"/>
+        <a:font script="Uigh" typeface="Microsoft Uighur"/>
+        <a:font script="Geor" typeface="Sylfaen"/>
+        <a:font script="Armn" typeface="Arial"/>
+        <a:font script="Bugi" typeface="Leelawadee UI"/>
+        <a:font script="Bopo" typeface="Microsoft JhengHei"/>
+        <a:font script="Java" typeface="Javanese Text"/>
+        <a:font script="Lisu" typeface="Segoe UI"/>
+        <a:font script="Mymr" typeface="Myanmar Text"/>
+        <a:font script="Nkoo" typeface="Ebrima"/>
+        <a:font script="Olck" typeface="Nirmala UI"/>
+        <a:font script="Osma" typeface="Ebrima"/>
+        <a:font script="Phag" typeface="Phagspa"/>
+        <a:font script="Syrn" typeface="Estrangelo Edessa"/>
+        <a:font script="Syrj" typeface="Estrangelo Edessa"/>
+        <a:font script="Syre" typeface="Estrangelo Edessa"/>
+        <a:font script="Sora" typeface="Nirmala UI"/>
+        <a:font script="Tale" typeface="Microsoft Tai Le"/>
+        <a:font script="Talu" typeface="Microsoft New Tai Lue"/>
+        <a:font script="Tfng" typeface="Ebrima"/>
+      </a:majorFont>
+      <a:minorFont>
+        <a:latin typeface="맑은 고딕" panose="020F0502020204030204"/>
+        <a:ea typeface=""/>
+        <a:cs typeface=""/>
+        <a:font script="Jpan" typeface="游ゴシック"/>
+        <a:font script="Hang" typeface="맑은 고딕"/>
+        <a:font script="Hans" typeface="等线"/>
+        <a:font script="Hant" typeface="新細明體"/>
+        <a:font script="Arab" typeface="Arial"/>
+        <a:font script="Hebr" typeface="Arial"/>
+        <a:font script="Thai" typeface="Cordia New"/>
+        <a:font script="Ethi" typeface="Nyala"/>
+        <a:font script="Beng" typeface="Vrinda"/>
+        <a:font script="Gujr" typeface="Shruti"/>
+        <a:font script="Khmr" typeface="DaunPenh"/>
+        <a:font script="Knda" typeface="Tunga"/>
+        <a:font script="Guru" typeface="Raavi"/>
+        <a:font script="Cans" typeface="Euphemia"/>
+        <a:font script="Cher" typeface="Plantagenet Cherokee"/>
+        <a:font script="Yiii" typeface="Microsoft Yi Baiti"/>
+        <a:font script="Tibt" typeface="Microsoft Himalaya"/>
+        <a:font script="Thaa" typeface="MV Boli"/>
+        <a:font script="Deva" typeface="Mangal"/>
+        <a:font script="Telu" typeface="Gautami"/>
+        <a:font script="Taml" typeface="Latha"/>
+        <a:font script="Syrc" typeface="Estrangelo Edessa"/>
+        <a:font script="Orya" typeface="Kalinga"/>
+        <a:font script="Mlym" typeface="Kartika"/>
+        <a:font script="Laoo" typeface="DokChampa"/>
+        <a:font script="Sinh" typeface="Iskoola Pota"/>
+        <a:font script="Mong" typeface="Mongolian Baiti"/>
+        <a:font script="Viet" typeface="Arial"/>
+        <a:font script="Uigh" typeface="Microsoft Uighur"/>
+        <a:font script="Geor" typeface="Sylfaen"/>
+        <a:font script="Armn" typeface="Arial"/>
+        <a:font script="Bugi" typeface="Leelawadee UI"/>
+        <a:font script="Bopo" typeface="Microsoft JhengHei"/>
+        <a:font script="Java" typeface="Javanese Text"/>
+        <a:font script="Lisu" typeface="Segoe UI"/>
+        <a:font script="Mymr" typeface="Myanmar Text"/>
+        <a:font script="Nkoo" typeface="Ebrima"/>
+        <a:font script="Olck" typeface="Nirmala UI"/>
+        <a:font script="Osma" typeface="Ebrima"/>
+        <a:font script="Phag" typeface="Phagspa"/>
+        <a:font script="Syrn" typeface="Estrangelo Edessa"/>
+        <a:font script="Syrj" typeface="Estrangelo Edessa"/>
+        <a:font script="Syre" typeface="Estrangelo Edessa"/>
+        <a:font script="Sora" typeface="Nirmala UI"/>
+        <a:font script="Tale" typeface="Microsoft Tai Le"/>
+        <a:font script="Talu" typeface="Microsoft New Tai Lue"/>
+        <a:font script="Tfng" typeface="Ebrima"/>
+      </a:minorFont>
+    </a:fontScheme>
+    <a:fmtScheme name="Office">
+      <a:fillStyleLst>
+        <a:solidFill>
+          <a:schemeClr val="phClr"/>
+        </a:solidFill>
+        <a:gradFill rotWithShape="1">
+          <a:gsLst>
+            <a:gs pos="0">
+              <a:schemeClr val="phClr">
+                <a:lumMod val="110000"/>
+                <a:satMod val="105000"/>
+                <a:tint val="67000"/>
+              </a:schemeClr>
+            </a:gs>
+            <a:gs pos="50000">
+              <a:schemeClr val="phClr">
+                <a:lumMod val="105000"/>
+                <a:satMod val="103000"/>
+                <a:tint val="73000"/>
+              </a:schemeClr>
+            </a:gs>
+            <a:gs pos="100000">
+              <a:schemeClr val="phClr">
+                <a:lumMod val="105000"/>
+                <a:satMod val="109000"/>
+                <a:tint val="81000"/>
+              </a:schemeClr>
+            </a:gs>
+          </a:gsLst>
+          <a:lin ang="5400000" scaled="0"/>
+        </a:gradFill>
+        <a:gradFill rotWithShape="1">
+          <a:gsLst>
+            <a:gs pos="0">
+              <a:schemeClr val="phClr">
+                <a:satMod val="103000"/>
+                <a:lumMod val="102000"/>
+                <a:tint val="94000"/>
+              </a:schemeClr>
+            </a:gs>
+            <a:gs pos="50000">
+              <a:schemeClr val="phClr">
+                <a:satMod val="110000"/>
+                <a:lumMod val="100000"/>
+                <a:shade val="100000"/>
+              </a:schemeClr>
+            </a:gs>
+            <a:gs pos="100000">
+              <a:schemeClr val="phClr">
+                <a:lumMod val="99000"/>
+                <a:satMod val="120000"/>
+                <a:shade val="78000"/>
+              </a:schemeClr>
+            </a:gs>
+          </a:gsLst>
+          <a:lin ang="5400000" scaled="0"/>
+        </a:gradFill>
+      </a:fillStyleLst>
+      <a:lnStyleLst>
+        <a:ln w="6350" cap="flat" cmpd="sng" algn="ctr">
+          <a:solidFill>
+            <a:schemeClr val="phClr"/>
+          </a:solidFill>
+          <a:prstDash val="solid"/>
+          <a:miter lim="800000"/>
+        </a:ln>
+        <a:ln w="12700" cap="flat" cmpd="sng" algn="ctr">
+          <a:solidFill>
+            <a:schemeClr val="phClr"/>
+          </a:solidFill>
+          <a:prstDash val="solid"/>
+          <a:miter lim="800000"/>
+        </a:ln>
+        <a:ln w="19050" cap="flat" cmpd="sng" algn="ctr">
+          <a:solidFill>
+            <a:schemeClr val="phClr"/>
+          </a:solidFill>
+          <a:prstDash val="solid"/>
+          <a:miter lim="800000"/>
+        </a:ln>
+      </a:lnStyleLst>
+      <a:effectStyleLst>
+        <a:effectStyle>
+          <a:effectLst/>
+        </a:effectStyle>
+        <a:effectStyle>
+          <a:effectLst/>
+        </a:effectStyle>
+        <a:effectStyle>
+          <a:effectLst>
+            <a:outerShdw blurRad="57150" dist="19050" dir="5400000" algn="ctr" rotWithShape="0">
+              <a:srgbClr val="000000">
+                <a:alpha val="63000"/>
+              </a:srgbClr>
+            </a:outerShdw>
+          </a:effectLst>
+        </a:effectStyle>
+      </a:effectStyleLst>
+      <a:bgFillStyleLst>
+        <a:solidFill>
+          <a:schemeClr val="phClr"/>
+        </a:solidFill>
+        <a:solidFill>
+          <a:schemeClr val="phClr">
+            <a:tint val="95000"/>
+            <a:satMod val="170000"/>
+          </a:schemeClr>
+        </a:solidFill>
+        <a:gradFill rotWithShape="1">
+          <a:gsLst>
+            <a:gs pos="0">
+              <a:schemeClr val="phClr">
+                <a:tint val="93000"/>
+                <a:satMod val="150000"/>
+                <a:shade val="98000"/>
+                <a:lumMod val="102000"/>
+              </a:schemeClr>
+            </a:gs>
+            <a:gs pos="50000">
+              <a:schemeClr val="phClr">
+                <a:tint val="98000"/>
+                <a:satMod val="130000"/>
+                <a:shade val="90000"/>
+                <a:lumMod val="103000"/>
+              </a:schemeClr>
+            </a:gs>
+            <a:gs pos="100000">
+              <a:schemeClr val="phClr">
+                <a:shade val="63000"/>
+                <a:satMod val="120000"/>
+              </a:schemeClr>
+            </a:gs>
+          </a:gsLst>
+          <a:lin ang="5400000" scaled="0"/>
+        </a:gradFill>
+      </a:bgFillStyleLst>
+    </a:fmtScheme>
+  </a:themeElements>
+  <a:objectDefaults/>
+  <a:extraClrSchemeLst/>
+  <a:extLst>
+    <a:ext uri="{05A4C25C-085E-4340-85A3-A5531E510DB2}">
+      <thm15:themeFamily xmlns:thm15="http://schemas.microsoft.com/office/thememl/2012/main" name="Office Theme" id="{62F939B6-93AF-4DB8-9C6B-D6C7DFDC589F}" vid="{4A3C46E8-61CC-4603-A589-7422A47A8E4A}"/>
+    </a:ext>
+  </a:extLst>
+</a:theme>
 </file>